--- a/ait/Stim/New Stimuli.pptx
+++ b/ait/Stim/New Stimuli.pptx
@@ -6,10 +6,23 @@
   </p:sldMasterIdLst>
   <p:sldIdLst>
     <p:sldId id="256" r:id="rId2"/>
-    <p:sldId id="258" r:id="rId3"/>
-    <p:sldId id="259" r:id="rId4"/>
-    <p:sldId id="260" r:id="rId5"/>
-    <p:sldId id="261" r:id="rId6"/>
+    <p:sldId id="274" r:id="rId3"/>
+    <p:sldId id="258" r:id="rId4"/>
+    <p:sldId id="265" r:id="rId5"/>
+    <p:sldId id="266" r:id="rId6"/>
+    <p:sldId id="267" r:id="rId7"/>
+    <p:sldId id="268" r:id="rId8"/>
+    <p:sldId id="269" r:id="rId9"/>
+    <p:sldId id="270" r:id="rId10"/>
+    <p:sldId id="271" r:id="rId11"/>
+    <p:sldId id="272" r:id="rId12"/>
+    <p:sldId id="273" r:id="rId13"/>
+    <p:sldId id="262" r:id="rId14"/>
+    <p:sldId id="263" r:id="rId15"/>
+    <p:sldId id="264" r:id="rId16"/>
+    <p:sldId id="259" r:id="rId17"/>
+    <p:sldId id="260" r:id="rId18"/>
+    <p:sldId id="261" r:id="rId19"/>
   </p:sldIdLst>
   <p:sldSz cx="13441363" cy="8686800"/>
   <p:notesSz cx="6858000" cy="9144000"/>
@@ -247,7 +260,7 @@
           <a:p>
             <a:fld id="{0EBDBFD0-E86A-4447-9327-8C79D23C0823}" type="datetimeFigureOut">
               <a:rPr lang="en-US" smtClean="0"/>
-              <a:t>7/25/2020</a:t>
+              <a:t>8/10/2020</a:t>
             </a:fld>
             <a:endParaRPr lang="en-US"/>
           </a:p>
@@ -417,7 +430,7 @@
           <a:p>
             <a:fld id="{0EBDBFD0-E86A-4447-9327-8C79D23C0823}" type="datetimeFigureOut">
               <a:rPr lang="en-US" smtClean="0"/>
-              <a:t>7/25/2020</a:t>
+              <a:t>8/10/2020</a:t>
             </a:fld>
             <a:endParaRPr lang="en-US"/>
           </a:p>
@@ -597,7 +610,7 @@
           <a:p>
             <a:fld id="{0EBDBFD0-E86A-4447-9327-8C79D23C0823}" type="datetimeFigureOut">
               <a:rPr lang="en-US" smtClean="0"/>
-              <a:t>7/25/2020</a:t>
+              <a:t>8/10/2020</a:t>
             </a:fld>
             <a:endParaRPr lang="en-US"/>
           </a:p>
@@ -767,7 +780,7 @@
           <a:p>
             <a:fld id="{0EBDBFD0-E86A-4447-9327-8C79D23C0823}" type="datetimeFigureOut">
               <a:rPr lang="en-US" smtClean="0"/>
-              <a:t>7/25/2020</a:t>
+              <a:t>8/10/2020</a:t>
             </a:fld>
             <a:endParaRPr lang="en-US"/>
           </a:p>
@@ -1011,7 +1024,7 @@
           <a:p>
             <a:fld id="{0EBDBFD0-E86A-4447-9327-8C79D23C0823}" type="datetimeFigureOut">
               <a:rPr lang="en-US" smtClean="0"/>
-              <a:t>7/25/2020</a:t>
+              <a:t>8/10/2020</a:t>
             </a:fld>
             <a:endParaRPr lang="en-US"/>
           </a:p>
@@ -1243,7 +1256,7 @@
           <a:p>
             <a:fld id="{0EBDBFD0-E86A-4447-9327-8C79D23C0823}" type="datetimeFigureOut">
               <a:rPr lang="en-US" smtClean="0"/>
-              <a:t>7/25/2020</a:t>
+              <a:t>8/10/2020</a:t>
             </a:fld>
             <a:endParaRPr lang="en-US"/>
           </a:p>
@@ -1610,7 +1623,7 @@
           <a:p>
             <a:fld id="{0EBDBFD0-E86A-4447-9327-8C79D23C0823}" type="datetimeFigureOut">
               <a:rPr lang="en-US" smtClean="0"/>
-              <a:t>7/25/2020</a:t>
+              <a:t>8/10/2020</a:t>
             </a:fld>
             <a:endParaRPr lang="en-US"/>
           </a:p>
@@ -1728,7 +1741,7 @@
           <a:p>
             <a:fld id="{0EBDBFD0-E86A-4447-9327-8C79D23C0823}" type="datetimeFigureOut">
               <a:rPr lang="en-US" smtClean="0"/>
-              <a:t>7/25/2020</a:t>
+              <a:t>8/10/2020</a:t>
             </a:fld>
             <a:endParaRPr lang="en-US"/>
           </a:p>
@@ -1823,7 +1836,7 @@
           <a:p>
             <a:fld id="{0EBDBFD0-E86A-4447-9327-8C79D23C0823}" type="datetimeFigureOut">
               <a:rPr lang="en-US" smtClean="0"/>
-              <a:t>7/25/2020</a:t>
+              <a:t>8/10/2020</a:t>
             </a:fld>
             <a:endParaRPr lang="en-US"/>
           </a:p>
@@ -2100,7 +2113,7 @@
           <a:p>
             <a:fld id="{0EBDBFD0-E86A-4447-9327-8C79D23C0823}" type="datetimeFigureOut">
               <a:rPr lang="en-US" smtClean="0"/>
-              <a:t>7/25/2020</a:t>
+              <a:t>8/10/2020</a:t>
             </a:fld>
             <a:endParaRPr lang="en-US"/>
           </a:p>
@@ -2357,7 +2370,7 @@
           <a:p>
             <a:fld id="{0EBDBFD0-E86A-4447-9327-8C79D23C0823}" type="datetimeFigureOut">
               <a:rPr lang="en-US" smtClean="0"/>
-              <a:t>7/25/2020</a:t>
+              <a:t>8/10/2020</a:t>
             </a:fld>
             <a:endParaRPr lang="en-US"/>
           </a:p>
@@ -2573,7 +2586,7 @@
           <a:p>
             <a:fld id="{0EBDBFD0-E86A-4447-9327-8C79D23C0823}" type="datetimeFigureOut">
               <a:rPr lang="en-US" smtClean="0"/>
-              <a:t>7/25/2020</a:t>
+              <a:t>8/10/2020</a:t>
             </a:fld>
             <a:endParaRPr lang="en-US"/>
           </a:p>
@@ -3139,7 +3152,1680 @@
 </p:sld>
 </file>
 
-<file path=ppt/slides/slide2.xml><?xml version="1.0" encoding="utf-8"?>
+<file path=ppt/slides/slide10.xml><?xml version="1.0" encoding="utf-8"?>
+<p:sld xmlns:a="http://schemas.openxmlformats.org/drawingml/2006/main" xmlns:r="http://schemas.openxmlformats.org/officeDocument/2006/relationships" xmlns:p="http://schemas.openxmlformats.org/presentationml/2006/main">
+  <p:cSld>
+    <p:spTree>
+      <p:nvGrpSpPr>
+        <p:cNvPr id="1" name=""/>
+        <p:cNvGrpSpPr/>
+        <p:nvPr/>
+      </p:nvGrpSpPr>
+      <p:grpSpPr>
+        <a:xfrm>
+          <a:off x="0" y="0"/>
+          <a:ext cx="0" cy="0"/>
+          <a:chOff x="0" y="0"/>
+          <a:chExt cx="0" cy="0"/>
+        </a:xfrm>
+      </p:grpSpPr>
+      <p:pic>
+        <p:nvPicPr>
+          <p:cNvPr id="6" name="Picture 5" descr="A picture containing cat&#10;&#10;Description automatically generated">
+            <a:extLst>
+              <a:ext uri="{FF2B5EF4-FFF2-40B4-BE49-F238E27FC236}">
+                <a16:creationId xmlns:a16="http://schemas.microsoft.com/office/drawing/2014/main" id="{B82630E1-A4C3-4892-95BD-6E81FC72451C}"/>
+              </a:ext>
+            </a:extLst>
+          </p:cNvPr>
+          <p:cNvPicPr>
+            <a:picLocks noChangeAspect="1"/>
+          </p:cNvPicPr>
+          <p:nvPr/>
+        </p:nvPicPr>
+        <p:blipFill rotWithShape="1">
+          <a:blip r:embed="rId2">
+            <a:extLst>
+              <a:ext uri="{28A0092B-C50C-407E-A947-70E740481C1C}">
+                <a14:useLocalDpi xmlns:a14="http://schemas.microsoft.com/office/drawing/2010/main" val="0"/>
+              </a:ext>
+            </a:extLst>
+          </a:blip>
+          <a:srcRect t="3229" r="-1" b="-1"/>
+          <a:stretch/>
+        </p:blipFill>
+        <p:spPr>
+          <a:xfrm>
+            <a:off x="1" y="10"/>
+            <a:ext cx="6724041" cy="4343390"/>
+          </a:xfrm>
+          <a:prstGeom prst="rect">
+            <a:avLst/>
+          </a:prstGeom>
+        </p:spPr>
+      </p:pic>
+      <p:pic>
+        <p:nvPicPr>
+          <p:cNvPr id="7" name="Picture 6" descr="A picture containing cat&#10;&#10;Description automatically generated">
+            <a:extLst>
+              <a:ext uri="{FF2B5EF4-FFF2-40B4-BE49-F238E27FC236}">
+                <a16:creationId xmlns:a16="http://schemas.microsoft.com/office/drawing/2014/main" id="{DD242F41-45C4-4078-A3AB-8B96B136756B}"/>
+              </a:ext>
+            </a:extLst>
+          </p:cNvPr>
+          <p:cNvPicPr>
+            <a:picLocks noChangeAspect="1"/>
+          </p:cNvPicPr>
+          <p:nvPr/>
+        </p:nvPicPr>
+        <p:blipFill rotWithShape="1">
+          <a:blip r:embed="rId2">
+            <a:extLst>
+              <a:ext uri="{28A0092B-C50C-407E-A947-70E740481C1C}">
+                <a14:useLocalDpi xmlns:a14="http://schemas.microsoft.com/office/drawing/2010/main" val="0"/>
+              </a:ext>
+            </a:extLst>
+          </a:blip>
+          <a:srcRect t="3229" r="-1" b="-1"/>
+          <a:stretch/>
+        </p:blipFill>
+        <p:spPr>
+          <a:xfrm>
+            <a:off x="6717320" y="10"/>
+            <a:ext cx="6724042" cy="4343390"/>
+          </a:xfrm>
+          <a:prstGeom prst="rect">
+            <a:avLst/>
+          </a:prstGeom>
+        </p:spPr>
+      </p:pic>
+      <p:pic>
+        <p:nvPicPr>
+          <p:cNvPr id="8" name="Picture 7" descr="A picture containing cat&#10;&#10;Description automatically generated">
+            <a:extLst>
+              <a:ext uri="{FF2B5EF4-FFF2-40B4-BE49-F238E27FC236}">
+                <a16:creationId xmlns:a16="http://schemas.microsoft.com/office/drawing/2014/main" id="{199F2F76-C673-4E86-B491-6B256C0C25FE}"/>
+              </a:ext>
+            </a:extLst>
+          </p:cNvPr>
+          <p:cNvPicPr>
+            <a:picLocks noChangeAspect="1"/>
+          </p:cNvPicPr>
+          <p:nvPr/>
+        </p:nvPicPr>
+        <p:blipFill rotWithShape="1">
+          <a:blip r:embed="rId2">
+            <a:extLst>
+              <a:ext uri="{28A0092B-C50C-407E-A947-70E740481C1C}">
+                <a14:useLocalDpi xmlns:a14="http://schemas.microsoft.com/office/drawing/2010/main" val="0"/>
+              </a:ext>
+            </a:extLst>
+          </a:blip>
+          <a:srcRect t="3228" r="-1" b="-1"/>
+          <a:stretch/>
+        </p:blipFill>
+        <p:spPr>
+          <a:xfrm>
+            <a:off x="1" y="4343400"/>
+            <a:ext cx="6724041" cy="4343400"/>
+          </a:xfrm>
+          <a:prstGeom prst="rect">
+            <a:avLst/>
+          </a:prstGeom>
+        </p:spPr>
+      </p:pic>
+      <p:pic>
+        <p:nvPicPr>
+          <p:cNvPr id="9" name="Picture 8" descr="A picture containing cat&#10;&#10;Description automatically generated">
+            <a:extLst>
+              <a:ext uri="{FF2B5EF4-FFF2-40B4-BE49-F238E27FC236}">
+                <a16:creationId xmlns:a16="http://schemas.microsoft.com/office/drawing/2014/main" id="{8499F939-5BF2-46F9-A66F-D25A94E1CB6F}"/>
+              </a:ext>
+            </a:extLst>
+          </p:cNvPr>
+          <p:cNvPicPr>
+            <a:picLocks noChangeAspect="1"/>
+          </p:cNvPicPr>
+          <p:nvPr/>
+        </p:nvPicPr>
+        <p:blipFill rotWithShape="1">
+          <a:blip r:embed="rId2">
+            <a:extLst>
+              <a:ext uri="{28A0092B-C50C-407E-A947-70E740481C1C}">
+                <a14:useLocalDpi xmlns:a14="http://schemas.microsoft.com/office/drawing/2010/main" val="0"/>
+              </a:ext>
+            </a:extLst>
+          </a:blip>
+          <a:srcRect t="3228" r="-1" b="-1"/>
+          <a:stretch/>
+        </p:blipFill>
+        <p:spPr>
+          <a:xfrm>
+            <a:off x="6717320" y="4343400"/>
+            <a:ext cx="6724042" cy="4343400"/>
+          </a:xfrm>
+          <a:prstGeom prst="rect">
+            <a:avLst/>
+          </a:prstGeom>
+        </p:spPr>
+      </p:pic>
+      <p:pic>
+        <p:nvPicPr>
+          <p:cNvPr id="2" name="Picture 1" descr="A picture containing cat&#10;&#10;Description automatically generated">
+            <a:extLst>
+              <a:ext uri="{FF2B5EF4-FFF2-40B4-BE49-F238E27FC236}">
+                <a16:creationId xmlns:a16="http://schemas.microsoft.com/office/drawing/2014/main" id="{332F6554-C20F-42F7-8BC9-3B795A5700D1}"/>
+              </a:ext>
+            </a:extLst>
+          </p:cNvPr>
+          <p:cNvPicPr>
+            <a:picLocks noChangeAspect="1"/>
+          </p:cNvPicPr>
+          <p:nvPr/>
+        </p:nvPicPr>
+        <p:blipFill rotWithShape="1">
+          <a:blip r:embed="rId3">
+            <a:extLst>
+              <a:ext uri="{28A0092B-C50C-407E-A947-70E740481C1C}">
+                <a14:useLocalDpi xmlns:a14="http://schemas.microsoft.com/office/drawing/2010/main" val="0"/>
+              </a:ext>
+            </a:extLst>
+          </a:blip>
+          <a:srcRect t="3229" r="-1" b="-1"/>
+          <a:stretch/>
+        </p:blipFill>
+        <p:spPr>
+          <a:xfrm>
+            <a:off x="6717322" y="10633"/>
+            <a:ext cx="6724041" cy="4343390"/>
+          </a:xfrm>
+          <a:prstGeom prst="rect">
+            <a:avLst/>
+          </a:prstGeom>
+        </p:spPr>
+      </p:pic>
+      <p:pic>
+        <p:nvPicPr>
+          <p:cNvPr id="3" name="Picture 2" descr="A picture containing cat&#10;&#10;Description automatically generated">
+            <a:extLst>
+              <a:ext uri="{FF2B5EF4-FFF2-40B4-BE49-F238E27FC236}">
+                <a16:creationId xmlns:a16="http://schemas.microsoft.com/office/drawing/2014/main" id="{C2A907CD-9ED7-4430-A868-7941787DE96A}"/>
+              </a:ext>
+            </a:extLst>
+          </p:cNvPr>
+          <p:cNvPicPr>
+            <a:picLocks noChangeAspect="1"/>
+          </p:cNvPicPr>
+          <p:nvPr/>
+        </p:nvPicPr>
+        <p:blipFill rotWithShape="1">
+          <a:blip r:embed="rId3">
+            <a:extLst>
+              <a:ext uri="{28A0092B-C50C-407E-A947-70E740481C1C}">
+                <a14:useLocalDpi xmlns:a14="http://schemas.microsoft.com/office/drawing/2010/main" val="0"/>
+              </a:ext>
+            </a:extLst>
+          </a:blip>
+          <a:srcRect t="3229" r="-1" b="-1"/>
+          <a:stretch/>
+        </p:blipFill>
+        <p:spPr>
+          <a:xfrm>
+            <a:off x="6724042" y="4332777"/>
+            <a:ext cx="6724041" cy="4343390"/>
+          </a:xfrm>
+          <a:prstGeom prst="rect">
+            <a:avLst/>
+          </a:prstGeom>
+        </p:spPr>
+      </p:pic>
+      <p:sp>
+        <p:nvSpPr>
+          <p:cNvPr id="10" name="TextBox 9">
+            <a:extLst>
+              <a:ext uri="{FF2B5EF4-FFF2-40B4-BE49-F238E27FC236}">
+                <a16:creationId xmlns:a16="http://schemas.microsoft.com/office/drawing/2014/main" id="{F7EEAA3C-112A-42ED-A97D-B988E41609C3}"/>
+              </a:ext>
+            </a:extLst>
+          </p:cNvPr>
+          <p:cNvSpPr txBox="1"/>
+          <p:nvPr/>
+        </p:nvSpPr>
+        <p:spPr>
+          <a:xfrm>
+            <a:off x="6460184" y="3881735"/>
+            <a:ext cx="520994" cy="923330"/>
+          </a:xfrm>
+          <a:prstGeom prst="rect">
+            <a:avLst/>
+          </a:prstGeom>
+          <a:noFill/>
+        </p:spPr>
+        <p:txBody>
+          <a:bodyPr wrap="square" rtlCol="0">
+            <a:spAutoFit/>
+          </a:bodyPr>
+          <a:lstStyle/>
+          <a:p>
+            <a:r>
+              <a:rPr lang="en-US" sz="5400" dirty="0">
+                <a:solidFill>
+                  <a:srgbClr val="FFFF00"/>
+                </a:solidFill>
+              </a:rPr>
+              <a:t>1</a:t>
+            </a:r>
+          </a:p>
+        </p:txBody>
+      </p:sp>
+    </p:spTree>
+    <p:extLst>
+      <p:ext uri="{BB962C8B-B14F-4D97-AF65-F5344CB8AC3E}">
+        <p14:creationId xmlns:p14="http://schemas.microsoft.com/office/powerpoint/2010/main" val="2922738177"/>
+      </p:ext>
+    </p:extLst>
+  </p:cSld>
+  <p:clrMapOvr>
+    <a:masterClrMapping/>
+  </p:clrMapOvr>
+</p:sld>
+</file>
+
+<file path=ppt/slides/slide11.xml><?xml version="1.0" encoding="utf-8"?>
+<p:sld xmlns:a="http://schemas.openxmlformats.org/drawingml/2006/main" xmlns:r="http://schemas.openxmlformats.org/officeDocument/2006/relationships" xmlns:p="http://schemas.openxmlformats.org/presentationml/2006/main">
+  <p:cSld>
+    <p:spTree>
+      <p:nvGrpSpPr>
+        <p:cNvPr id="1" name=""/>
+        <p:cNvGrpSpPr/>
+        <p:nvPr/>
+      </p:nvGrpSpPr>
+      <p:grpSpPr>
+        <a:xfrm>
+          <a:off x="0" y="0"/>
+          <a:ext cx="0" cy="0"/>
+          <a:chOff x="0" y="0"/>
+          <a:chExt cx="0" cy="0"/>
+        </a:xfrm>
+      </p:grpSpPr>
+      <p:pic>
+        <p:nvPicPr>
+          <p:cNvPr id="6" name="Picture 5" descr="A picture containing cat&#10;&#10;Description automatically generated">
+            <a:extLst>
+              <a:ext uri="{FF2B5EF4-FFF2-40B4-BE49-F238E27FC236}">
+                <a16:creationId xmlns:a16="http://schemas.microsoft.com/office/drawing/2014/main" id="{B82630E1-A4C3-4892-95BD-6E81FC72451C}"/>
+              </a:ext>
+            </a:extLst>
+          </p:cNvPr>
+          <p:cNvPicPr>
+            <a:picLocks noChangeAspect="1"/>
+          </p:cNvPicPr>
+          <p:nvPr/>
+        </p:nvPicPr>
+        <p:blipFill rotWithShape="1">
+          <a:blip r:embed="rId2">
+            <a:extLst>
+              <a:ext uri="{28A0092B-C50C-407E-A947-70E740481C1C}">
+                <a14:useLocalDpi xmlns:a14="http://schemas.microsoft.com/office/drawing/2010/main" val="0"/>
+              </a:ext>
+            </a:extLst>
+          </a:blip>
+          <a:srcRect t="3229" r="-1" b="-1"/>
+          <a:stretch/>
+        </p:blipFill>
+        <p:spPr>
+          <a:xfrm>
+            <a:off x="1" y="10"/>
+            <a:ext cx="6724041" cy="4343390"/>
+          </a:xfrm>
+          <a:prstGeom prst="rect">
+            <a:avLst/>
+          </a:prstGeom>
+        </p:spPr>
+      </p:pic>
+      <p:pic>
+        <p:nvPicPr>
+          <p:cNvPr id="7" name="Picture 6" descr="A picture containing cat&#10;&#10;Description automatically generated">
+            <a:extLst>
+              <a:ext uri="{FF2B5EF4-FFF2-40B4-BE49-F238E27FC236}">
+                <a16:creationId xmlns:a16="http://schemas.microsoft.com/office/drawing/2014/main" id="{DD242F41-45C4-4078-A3AB-8B96B136756B}"/>
+              </a:ext>
+            </a:extLst>
+          </p:cNvPr>
+          <p:cNvPicPr>
+            <a:picLocks noChangeAspect="1"/>
+          </p:cNvPicPr>
+          <p:nvPr/>
+        </p:nvPicPr>
+        <p:blipFill rotWithShape="1">
+          <a:blip r:embed="rId2">
+            <a:extLst>
+              <a:ext uri="{28A0092B-C50C-407E-A947-70E740481C1C}">
+                <a14:useLocalDpi xmlns:a14="http://schemas.microsoft.com/office/drawing/2010/main" val="0"/>
+              </a:ext>
+            </a:extLst>
+          </a:blip>
+          <a:srcRect t="3229" r="-1" b="-1"/>
+          <a:stretch/>
+        </p:blipFill>
+        <p:spPr>
+          <a:xfrm>
+            <a:off x="6717320" y="10"/>
+            <a:ext cx="6724042" cy="4343390"/>
+          </a:xfrm>
+          <a:prstGeom prst="rect">
+            <a:avLst/>
+          </a:prstGeom>
+        </p:spPr>
+      </p:pic>
+      <p:pic>
+        <p:nvPicPr>
+          <p:cNvPr id="8" name="Picture 7" descr="A picture containing cat&#10;&#10;Description automatically generated">
+            <a:extLst>
+              <a:ext uri="{FF2B5EF4-FFF2-40B4-BE49-F238E27FC236}">
+                <a16:creationId xmlns:a16="http://schemas.microsoft.com/office/drawing/2014/main" id="{199F2F76-C673-4E86-B491-6B256C0C25FE}"/>
+              </a:ext>
+            </a:extLst>
+          </p:cNvPr>
+          <p:cNvPicPr>
+            <a:picLocks noChangeAspect="1"/>
+          </p:cNvPicPr>
+          <p:nvPr/>
+        </p:nvPicPr>
+        <p:blipFill rotWithShape="1">
+          <a:blip r:embed="rId2">
+            <a:extLst>
+              <a:ext uri="{28A0092B-C50C-407E-A947-70E740481C1C}">
+                <a14:useLocalDpi xmlns:a14="http://schemas.microsoft.com/office/drawing/2010/main" val="0"/>
+              </a:ext>
+            </a:extLst>
+          </a:blip>
+          <a:srcRect t="3228" r="-1" b="-1"/>
+          <a:stretch/>
+        </p:blipFill>
+        <p:spPr>
+          <a:xfrm>
+            <a:off x="1" y="4343400"/>
+            <a:ext cx="6724041" cy="4343400"/>
+          </a:xfrm>
+          <a:prstGeom prst="rect">
+            <a:avLst/>
+          </a:prstGeom>
+        </p:spPr>
+      </p:pic>
+      <p:pic>
+        <p:nvPicPr>
+          <p:cNvPr id="9" name="Picture 8" descr="A picture containing cat&#10;&#10;Description automatically generated">
+            <a:extLst>
+              <a:ext uri="{FF2B5EF4-FFF2-40B4-BE49-F238E27FC236}">
+                <a16:creationId xmlns:a16="http://schemas.microsoft.com/office/drawing/2014/main" id="{8499F939-5BF2-46F9-A66F-D25A94E1CB6F}"/>
+              </a:ext>
+            </a:extLst>
+          </p:cNvPr>
+          <p:cNvPicPr>
+            <a:picLocks noChangeAspect="1"/>
+          </p:cNvPicPr>
+          <p:nvPr/>
+        </p:nvPicPr>
+        <p:blipFill rotWithShape="1">
+          <a:blip r:embed="rId2">
+            <a:extLst>
+              <a:ext uri="{28A0092B-C50C-407E-A947-70E740481C1C}">
+                <a14:useLocalDpi xmlns:a14="http://schemas.microsoft.com/office/drawing/2010/main" val="0"/>
+              </a:ext>
+            </a:extLst>
+          </a:blip>
+          <a:srcRect t="3228" r="-1" b="-1"/>
+          <a:stretch/>
+        </p:blipFill>
+        <p:spPr>
+          <a:xfrm>
+            <a:off x="6717320" y="4343400"/>
+            <a:ext cx="6724042" cy="4343400"/>
+          </a:xfrm>
+          <a:prstGeom prst="rect">
+            <a:avLst/>
+          </a:prstGeom>
+        </p:spPr>
+      </p:pic>
+      <p:pic>
+        <p:nvPicPr>
+          <p:cNvPr id="2" name="Picture 1" descr="A picture containing cat&#10;&#10;Description automatically generated">
+            <a:extLst>
+              <a:ext uri="{FF2B5EF4-FFF2-40B4-BE49-F238E27FC236}">
+                <a16:creationId xmlns:a16="http://schemas.microsoft.com/office/drawing/2014/main" id="{332F6554-C20F-42F7-8BC9-3B795A5700D1}"/>
+              </a:ext>
+            </a:extLst>
+          </p:cNvPr>
+          <p:cNvPicPr>
+            <a:picLocks noChangeAspect="1"/>
+          </p:cNvPicPr>
+          <p:nvPr/>
+        </p:nvPicPr>
+        <p:blipFill rotWithShape="1">
+          <a:blip r:embed="rId3">
+            <a:extLst>
+              <a:ext uri="{28A0092B-C50C-407E-A947-70E740481C1C}">
+                <a14:useLocalDpi xmlns:a14="http://schemas.microsoft.com/office/drawing/2010/main" val="0"/>
+              </a:ext>
+            </a:extLst>
+          </a:blip>
+          <a:srcRect t="3229" r="-1" b="-1"/>
+          <a:stretch/>
+        </p:blipFill>
+        <p:spPr>
+          <a:xfrm>
+            <a:off x="6717322" y="10633"/>
+            <a:ext cx="6724041" cy="4343390"/>
+          </a:xfrm>
+          <a:prstGeom prst="rect">
+            <a:avLst/>
+          </a:prstGeom>
+        </p:spPr>
+      </p:pic>
+      <p:pic>
+        <p:nvPicPr>
+          <p:cNvPr id="3" name="Picture 2" descr="A picture containing cat&#10;&#10;Description automatically generated">
+            <a:extLst>
+              <a:ext uri="{FF2B5EF4-FFF2-40B4-BE49-F238E27FC236}">
+                <a16:creationId xmlns:a16="http://schemas.microsoft.com/office/drawing/2014/main" id="{C2A907CD-9ED7-4430-A868-7941787DE96A}"/>
+              </a:ext>
+            </a:extLst>
+          </p:cNvPr>
+          <p:cNvPicPr>
+            <a:picLocks noChangeAspect="1"/>
+          </p:cNvPicPr>
+          <p:nvPr/>
+        </p:nvPicPr>
+        <p:blipFill rotWithShape="1">
+          <a:blip r:embed="rId3">
+            <a:extLst>
+              <a:ext uri="{28A0092B-C50C-407E-A947-70E740481C1C}">
+                <a14:useLocalDpi xmlns:a14="http://schemas.microsoft.com/office/drawing/2010/main" val="0"/>
+              </a:ext>
+            </a:extLst>
+          </a:blip>
+          <a:srcRect t="3229" r="-1" b="-1"/>
+          <a:stretch/>
+        </p:blipFill>
+        <p:spPr>
+          <a:xfrm>
+            <a:off x="1" y="4332777"/>
+            <a:ext cx="6724041" cy="4343390"/>
+          </a:xfrm>
+          <a:prstGeom prst="rect">
+            <a:avLst/>
+          </a:prstGeom>
+        </p:spPr>
+      </p:pic>
+      <p:sp>
+        <p:nvSpPr>
+          <p:cNvPr id="10" name="TextBox 9">
+            <a:extLst>
+              <a:ext uri="{FF2B5EF4-FFF2-40B4-BE49-F238E27FC236}">
+                <a16:creationId xmlns:a16="http://schemas.microsoft.com/office/drawing/2014/main" id="{F7EEAA3C-112A-42ED-A97D-B988E41609C3}"/>
+              </a:ext>
+            </a:extLst>
+          </p:cNvPr>
+          <p:cNvSpPr txBox="1"/>
+          <p:nvPr/>
+        </p:nvSpPr>
+        <p:spPr>
+          <a:xfrm>
+            <a:off x="6460184" y="3881735"/>
+            <a:ext cx="520994" cy="923330"/>
+          </a:xfrm>
+          <a:prstGeom prst="rect">
+            <a:avLst/>
+          </a:prstGeom>
+          <a:noFill/>
+        </p:spPr>
+        <p:txBody>
+          <a:bodyPr wrap="square" rtlCol="0">
+            <a:spAutoFit/>
+          </a:bodyPr>
+          <a:lstStyle/>
+          <a:p>
+            <a:r>
+              <a:rPr lang="en-US" sz="5400" dirty="0">
+                <a:solidFill>
+                  <a:srgbClr val="FFFF00"/>
+                </a:solidFill>
+              </a:rPr>
+              <a:t>1</a:t>
+            </a:r>
+          </a:p>
+        </p:txBody>
+      </p:sp>
+    </p:spTree>
+    <p:extLst>
+      <p:ext uri="{BB962C8B-B14F-4D97-AF65-F5344CB8AC3E}">
+        <p14:creationId xmlns:p14="http://schemas.microsoft.com/office/powerpoint/2010/main" val="539782606"/>
+      </p:ext>
+    </p:extLst>
+  </p:cSld>
+  <p:clrMapOvr>
+    <a:masterClrMapping/>
+  </p:clrMapOvr>
+</p:sld>
+</file>
+
+<file path=ppt/slides/slide12.xml><?xml version="1.0" encoding="utf-8"?>
+<p:sld xmlns:a="http://schemas.openxmlformats.org/drawingml/2006/main" xmlns:r="http://schemas.openxmlformats.org/officeDocument/2006/relationships" xmlns:p="http://schemas.openxmlformats.org/presentationml/2006/main">
+  <p:cSld>
+    <p:spTree>
+      <p:nvGrpSpPr>
+        <p:cNvPr id="1" name=""/>
+        <p:cNvGrpSpPr/>
+        <p:nvPr/>
+      </p:nvGrpSpPr>
+      <p:grpSpPr>
+        <a:xfrm>
+          <a:off x="0" y="0"/>
+          <a:ext cx="0" cy="0"/>
+          <a:chOff x="0" y="0"/>
+          <a:chExt cx="0" cy="0"/>
+        </a:xfrm>
+      </p:grpSpPr>
+      <p:pic>
+        <p:nvPicPr>
+          <p:cNvPr id="6" name="Picture 5" descr="A picture containing cat&#10;&#10;Description automatically generated">
+            <a:extLst>
+              <a:ext uri="{FF2B5EF4-FFF2-40B4-BE49-F238E27FC236}">
+                <a16:creationId xmlns:a16="http://schemas.microsoft.com/office/drawing/2014/main" id="{B82630E1-A4C3-4892-95BD-6E81FC72451C}"/>
+              </a:ext>
+            </a:extLst>
+          </p:cNvPr>
+          <p:cNvPicPr>
+            <a:picLocks noChangeAspect="1"/>
+          </p:cNvPicPr>
+          <p:nvPr/>
+        </p:nvPicPr>
+        <p:blipFill rotWithShape="1">
+          <a:blip r:embed="rId2">
+            <a:extLst>
+              <a:ext uri="{28A0092B-C50C-407E-A947-70E740481C1C}">
+                <a14:useLocalDpi xmlns:a14="http://schemas.microsoft.com/office/drawing/2010/main" val="0"/>
+              </a:ext>
+            </a:extLst>
+          </a:blip>
+          <a:srcRect t="3229" r="-1" b="-1"/>
+          <a:stretch/>
+        </p:blipFill>
+        <p:spPr>
+          <a:xfrm>
+            <a:off x="1" y="10"/>
+            <a:ext cx="6724041" cy="4343390"/>
+          </a:xfrm>
+          <a:prstGeom prst="rect">
+            <a:avLst/>
+          </a:prstGeom>
+        </p:spPr>
+      </p:pic>
+      <p:pic>
+        <p:nvPicPr>
+          <p:cNvPr id="7" name="Picture 6" descr="A picture containing cat&#10;&#10;Description automatically generated">
+            <a:extLst>
+              <a:ext uri="{FF2B5EF4-FFF2-40B4-BE49-F238E27FC236}">
+                <a16:creationId xmlns:a16="http://schemas.microsoft.com/office/drawing/2014/main" id="{DD242F41-45C4-4078-A3AB-8B96B136756B}"/>
+              </a:ext>
+            </a:extLst>
+          </p:cNvPr>
+          <p:cNvPicPr>
+            <a:picLocks noChangeAspect="1"/>
+          </p:cNvPicPr>
+          <p:nvPr/>
+        </p:nvPicPr>
+        <p:blipFill rotWithShape="1">
+          <a:blip r:embed="rId2">
+            <a:extLst>
+              <a:ext uri="{28A0092B-C50C-407E-A947-70E740481C1C}">
+                <a14:useLocalDpi xmlns:a14="http://schemas.microsoft.com/office/drawing/2010/main" val="0"/>
+              </a:ext>
+            </a:extLst>
+          </a:blip>
+          <a:srcRect t="3229" r="-1" b="-1"/>
+          <a:stretch/>
+        </p:blipFill>
+        <p:spPr>
+          <a:xfrm>
+            <a:off x="6717320" y="10"/>
+            <a:ext cx="6724042" cy="4343390"/>
+          </a:xfrm>
+          <a:prstGeom prst="rect">
+            <a:avLst/>
+          </a:prstGeom>
+        </p:spPr>
+      </p:pic>
+      <p:pic>
+        <p:nvPicPr>
+          <p:cNvPr id="8" name="Picture 7" descr="A picture containing cat&#10;&#10;Description automatically generated">
+            <a:extLst>
+              <a:ext uri="{FF2B5EF4-FFF2-40B4-BE49-F238E27FC236}">
+                <a16:creationId xmlns:a16="http://schemas.microsoft.com/office/drawing/2014/main" id="{199F2F76-C673-4E86-B491-6B256C0C25FE}"/>
+              </a:ext>
+            </a:extLst>
+          </p:cNvPr>
+          <p:cNvPicPr>
+            <a:picLocks noChangeAspect="1"/>
+          </p:cNvPicPr>
+          <p:nvPr/>
+        </p:nvPicPr>
+        <p:blipFill rotWithShape="1">
+          <a:blip r:embed="rId2">
+            <a:extLst>
+              <a:ext uri="{28A0092B-C50C-407E-A947-70E740481C1C}">
+                <a14:useLocalDpi xmlns:a14="http://schemas.microsoft.com/office/drawing/2010/main" val="0"/>
+              </a:ext>
+            </a:extLst>
+          </a:blip>
+          <a:srcRect t="3228" r="-1" b="-1"/>
+          <a:stretch/>
+        </p:blipFill>
+        <p:spPr>
+          <a:xfrm>
+            <a:off x="1" y="4343400"/>
+            <a:ext cx="6724041" cy="4343400"/>
+          </a:xfrm>
+          <a:prstGeom prst="rect">
+            <a:avLst/>
+          </a:prstGeom>
+        </p:spPr>
+      </p:pic>
+      <p:pic>
+        <p:nvPicPr>
+          <p:cNvPr id="9" name="Picture 8" descr="A picture containing cat&#10;&#10;Description automatically generated">
+            <a:extLst>
+              <a:ext uri="{FF2B5EF4-FFF2-40B4-BE49-F238E27FC236}">
+                <a16:creationId xmlns:a16="http://schemas.microsoft.com/office/drawing/2014/main" id="{8499F939-5BF2-46F9-A66F-D25A94E1CB6F}"/>
+              </a:ext>
+            </a:extLst>
+          </p:cNvPr>
+          <p:cNvPicPr>
+            <a:picLocks noChangeAspect="1"/>
+          </p:cNvPicPr>
+          <p:nvPr/>
+        </p:nvPicPr>
+        <p:blipFill rotWithShape="1">
+          <a:blip r:embed="rId2">
+            <a:extLst>
+              <a:ext uri="{28A0092B-C50C-407E-A947-70E740481C1C}">
+                <a14:useLocalDpi xmlns:a14="http://schemas.microsoft.com/office/drawing/2010/main" val="0"/>
+              </a:ext>
+            </a:extLst>
+          </a:blip>
+          <a:srcRect t="3228" r="-1" b="-1"/>
+          <a:stretch/>
+        </p:blipFill>
+        <p:spPr>
+          <a:xfrm>
+            <a:off x="6717320" y="4343400"/>
+            <a:ext cx="6724042" cy="4343400"/>
+          </a:xfrm>
+          <a:prstGeom prst="rect">
+            <a:avLst/>
+          </a:prstGeom>
+        </p:spPr>
+      </p:pic>
+      <p:pic>
+        <p:nvPicPr>
+          <p:cNvPr id="2" name="Picture 1" descr="A picture containing cat&#10;&#10;Description automatically generated">
+            <a:extLst>
+              <a:ext uri="{FF2B5EF4-FFF2-40B4-BE49-F238E27FC236}">
+                <a16:creationId xmlns:a16="http://schemas.microsoft.com/office/drawing/2014/main" id="{332F6554-C20F-42F7-8BC9-3B795A5700D1}"/>
+              </a:ext>
+            </a:extLst>
+          </p:cNvPr>
+          <p:cNvPicPr>
+            <a:picLocks noChangeAspect="1"/>
+          </p:cNvPicPr>
+          <p:nvPr/>
+        </p:nvPicPr>
+        <p:blipFill rotWithShape="1">
+          <a:blip r:embed="rId3">
+            <a:extLst>
+              <a:ext uri="{28A0092B-C50C-407E-A947-70E740481C1C}">
+                <a14:useLocalDpi xmlns:a14="http://schemas.microsoft.com/office/drawing/2010/main" val="0"/>
+              </a:ext>
+            </a:extLst>
+          </a:blip>
+          <a:srcRect t="3229" r="-1" b="-1"/>
+          <a:stretch/>
+        </p:blipFill>
+        <p:spPr>
+          <a:xfrm>
+            <a:off x="6717320" y="4332777"/>
+            <a:ext cx="6724041" cy="4343390"/>
+          </a:xfrm>
+          <a:prstGeom prst="rect">
+            <a:avLst/>
+          </a:prstGeom>
+        </p:spPr>
+      </p:pic>
+      <p:pic>
+        <p:nvPicPr>
+          <p:cNvPr id="3" name="Picture 2" descr="A picture containing cat&#10;&#10;Description automatically generated">
+            <a:extLst>
+              <a:ext uri="{FF2B5EF4-FFF2-40B4-BE49-F238E27FC236}">
+                <a16:creationId xmlns:a16="http://schemas.microsoft.com/office/drawing/2014/main" id="{C2A907CD-9ED7-4430-A868-7941787DE96A}"/>
+              </a:ext>
+            </a:extLst>
+          </p:cNvPr>
+          <p:cNvPicPr>
+            <a:picLocks noChangeAspect="1"/>
+          </p:cNvPicPr>
+          <p:nvPr/>
+        </p:nvPicPr>
+        <p:blipFill rotWithShape="1">
+          <a:blip r:embed="rId3">
+            <a:extLst>
+              <a:ext uri="{28A0092B-C50C-407E-A947-70E740481C1C}">
+                <a14:useLocalDpi xmlns:a14="http://schemas.microsoft.com/office/drawing/2010/main" val="0"/>
+              </a:ext>
+            </a:extLst>
+          </a:blip>
+          <a:srcRect t="3229" r="-1" b="-1"/>
+          <a:stretch/>
+        </p:blipFill>
+        <p:spPr>
+          <a:xfrm>
+            <a:off x="1" y="4332777"/>
+            <a:ext cx="6724041" cy="4343390"/>
+          </a:xfrm>
+          <a:prstGeom prst="rect">
+            <a:avLst/>
+          </a:prstGeom>
+        </p:spPr>
+      </p:pic>
+      <p:sp>
+        <p:nvSpPr>
+          <p:cNvPr id="10" name="TextBox 9">
+            <a:extLst>
+              <a:ext uri="{FF2B5EF4-FFF2-40B4-BE49-F238E27FC236}">
+                <a16:creationId xmlns:a16="http://schemas.microsoft.com/office/drawing/2014/main" id="{F7EEAA3C-112A-42ED-A97D-B988E41609C3}"/>
+              </a:ext>
+            </a:extLst>
+          </p:cNvPr>
+          <p:cNvSpPr txBox="1"/>
+          <p:nvPr/>
+        </p:nvSpPr>
+        <p:spPr>
+          <a:xfrm>
+            <a:off x="6460184" y="3881735"/>
+            <a:ext cx="520994" cy="923330"/>
+          </a:xfrm>
+          <a:prstGeom prst="rect">
+            <a:avLst/>
+          </a:prstGeom>
+          <a:noFill/>
+        </p:spPr>
+        <p:txBody>
+          <a:bodyPr wrap="square" rtlCol="0">
+            <a:spAutoFit/>
+          </a:bodyPr>
+          <a:lstStyle/>
+          <a:p>
+            <a:r>
+              <a:rPr lang="en-US" sz="5400" dirty="0">
+                <a:solidFill>
+                  <a:srgbClr val="FFFF00"/>
+                </a:solidFill>
+              </a:rPr>
+              <a:t>1</a:t>
+            </a:r>
+          </a:p>
+        </p:txBody>
+      </p:sp>
+    </p:spTree>
+    <p:extLst>
+      <p:ext uri="{BB962C8B-B14F-4D97-AF65-F5344CB8AC3E}">
+        <p14:creationId xmlns:p14="http://schemas.microsoft.com/office/powerpoint/2010/main" val="274128214"/>
+      </p:ext>
+    </p:extLst>
+  </p:cSld>
+  <p:clrMapOvr>
+    <a:masterClrMapping/>
+  </p:clrMapOvr>
+</p:sld>
+</file>
+
+<file path=ppt/slides/slide13.xml><?xml version="1.0" encoding="utf-8"?>
+<p:sld xmlns:a="http://schemas.openxmlformats.org/drawingml/2006/main" xmlns:r="http://schemas.openxmlformats.org/officeDocument/2006/relationships" xmlns:p="http://schemas.openxmlformats.org/presentationml/2006/main">
+  <p:cSld>
+    <p:spTree>
+      <p:nvGrpSpPr>
+        <p:cNvPr id="1" name=""/>
+        <p:cNvGrpSpPr/>
+        <p:nvPr/>
+      </p:nvGrpSpPr>
+      <p:grpSpPr>
+        <a:xfrm>
+          <a:off x="0" y="0"/>
+          <a:ext cx="0" cy="0"/>
+          <a:chOff x="0" y="0"/>
+          <a:chExt cx="0" cy="0"/>
+        </a:xfrm>
+      </p:grpSpPr>
+      <p:pic>
+        <p:nvPicPr>
+          <p:cNvPr id="6" name="Picture 5" descr="A picture containing cat&#10;&#10;Description automatically generated">
+            <a:extLst>
+              <a:ext uri="{FF2B5EF4-FFF2-40B4-BE49-F238E27FC236}">
+                <a16:creationId xmlns:a16="http://schemas.microsoft.com/office/drawing/2014/main" id="{B82630E1-A4C3-4892-95BD-6E81FC72451C}"/>
+              </a:ext>
+            </a:extLst>
+          </p:cNvPr>
+          <p:cNvPicPr>
+            <a:picLocks noChangeAspect="1"/>
+          </p:cNvPicPr>
+          <p:nvPr/>
+        </p:nvPicPr>
+        <p:blipFill rotWithShape="1">
+          <a:blip r:embed="rId2">
+            <a:extLst>
+              <a:ext uri="{28A0092B-C50C-407E-A947-70E740481C1C}">
+                <a14:useLocalDpi xmlns:a14="http://schemas.microsoft.com/office/drawing/2010/main" val="0"/>
+              </a:ext>
+            </a:extLst>
+          </a:blip>
+          <a:srcRect t="3229" r="-1" b="-1"/>
+          <a:stretch/>
+        </p:blipFill>
+        <p:spPr>
+          <a:xfrm>
+            <a:off x="1" y="10"/>
+            <a:ext cx="6724041" cy="4343390"/>
+          </a:xfrm>
+          <a:prstGeom prst="rect">
+            <a:avLst/>
+          </a:prstGeom>
+        </p:spPr>
+      </p:pic>
+      <p:pic>
+        <p:nvPicPr>
+          <p:cNvPr id="7" name="Picture 6" descr="A picture containing cat&#10;&#10;Description automatically generated">
+            <a:extLst>
+              <a:ext uri="{FF2B5EF4-FFF2-40B4-BE49-F238E27FC236}">
+                <a16:creationId xmlns:a16="http://schemas.microsoft.com/office/drawing/2014/main" id="{DD242F41-45C4-4078-A3AB-8B96B136756B}"/>
+              </a:ext>
+            </a:extLst>
+          </p:cNvPr>
+          <p:cNvPicPr>
+            <a:picLocks noChangeAspect="1"/>
+          </p:cNvPicPr>
+          <p:nvPr/>
+        </p:nvPicPr>
+        <p:blipFill rotWithShape="1">
+          <a:blip r:embed="rId2">
+            <a:extLst>
+              <a:ext uri="{28A0092B-C50C-407E-A947-70E740481C1C}">
+                <a14:useLocalDpi xmlns:a14="http://schemas.microsoft.com/office/drawing/2010/main" val="0"/>
+              </a:ext>
+            </a:extLst>
+          </a:blip>
+          <a:srcRect t="3229" r="-1" b="-1"/>
+          <a:stretch/>
+        </p:blipFill>
+        <p:spPr>
+          <a:xfrm>
+            <a:off x="6717320" y="10"/>
+            <a:ext cx="6724042" cy="4343390"/>
+          </a:xfrm>
+          <a:prstGeom prst="rect">
+            <a:avLst/>
+          </a:prstGeom>
+        </p:spPr>
+      </p:pic>
+      <p:pic>
+        <p:nvPicPr>
+          <p:cNvPr id="8" name="Picture 7" descr="A picture containing cat&#10;&#10;Description automatically generated">
+            <a:extLst>
+              <a:ext uri="{FF2B5EF4-FFF2-40B4-BE49-F238E27FC236}">
+                <a16:creationId xmlns:a16="http://schemas.microsoft.com/office/drawing/2014/main" id="{199F2F76-C673-4E86-B491-6B256C0C25FE}"/>
+              </a:ext>
+            </a:extLst>
+          </p:cNvPr>
+          <p:cNvPicPr>
+            <a:picLocks noChangeAspect="1"/>
+          </p:cNvPicPr>
+          <p:nvPr/>
+        </p:nvPicPr>
+        <p:blipFill rotWithShape="1">
+          <a:blip r:embed="rId2">
+            <a:extLst>
+              <a:ext uri="{28A0092B-C50C-407E-A947-70E740481C1C}">
+                <a14:useLocalDpi xmlns:a14="http://schemas.microsoft.com/office/drawing/2010/main" val="0"/>
+              </a:ext>
+            </a:extLst>
+          </a:blip>
+          <a:srcRect t="3228" r="-1" b="-1"/>
+          <a:stretch/>
+        </p:blipFill>
+        <p:spPr>
+          <a:xfrm>
+            <a:off x="1" y="4343400"/>
+            <a:ext cx="6724041" cy="4343400"/>
+          </a:xfrm>
+          <a:prstGeom prst="rect">
+            <a:avLst/>
+          </a:prstGeom>
+        </p:spPr>
+      </p:pic>
+      <p:pic>
+        <p:nvPicPr>
+          <p:cNvPr id="9" name="Picture 8" descr="A picture containing cat&#10;&#10;Description automatically generated">
+            <a:extLst>
+              <a:ext uri="{FF2B5EF4-FFF2-40B4-BE49-F238E27FC236}">
+                <a16:creationId xmlns:a16="http://schemas.microsoft.com/office/drawing/2014/main" id="{8499F939-5BF2-46F9-A66F-D25A94E1CB6F}"/>
+              </a:ext>
+            </a:extLst>
+          </p:cNvPr>
+          <p:cNvPicPr>
+            <a:picLocks noChangeAspect="1"/>
+          </p:cNvPicPr>
+          <p:nvPr/>
+        </p:nvPicPr>
+        <p:blipFill rotWithShape="1">
+          <a:blip r:embed="rId2">
+            <a:extLst>
+              <a:ext uri="{28A0092B-C50C-407E-A947-70E740481C1C}">
+                <a14:useLocalDpi xmlns:a14="http://schemas.microsoft.com/office/drawing/2010/main" val="0"/>
+              </a:ext>
+            </a:extLst>
+          </a:blip>
+          <a:srcRect t="3228" r="-1" b="-1"/>
+          <a:stretch/>
+        </p:blipFill>
+        <p:spPr>
+          <a:xfrm>
+            <a:off x="6717320" y="4343400"/>
+            <a:ext cx="6724042" cy="4343400"/>
+          </a:xfrm>
+          <a:prstGeom prst="rect">
+            <a:avLst/>
+          </a:prstGeom>
+        </p:spPr>
+      </p:pic>
+      <p:sp>
+        <p:nvSpPr>
+          <p:cNvPr id="10" name="TextBox 9">
+            <a:extLst>
+              <a:ext uri="{FF2B5EF4-FFF2-40B4-BE49-F238E27FC236}">
+                <a16:creationId xmlns:a16="http://schemas.microsoft.com/office/drawing/2014/main" id="{F7EEAA3C-112A-42ED-A97D-B988E41609C3}"/>
+              </a:ext>
+            </a:extLst>
+          </p:cNvPr>
+          <p:cNvSpPr txBox="1"/>
+          <p:nvPr/>
+        </p:nvSpPr>
+        <p:spPr>
+          <a:xfrm>
+            <a:off x="6460184" y="3881735"/>
+            <a:ext cx="520994" cy="923330"/>
+          </a:xfrm>
+          <a:prstGeom prst="rect">
+            <a:avLst/>
+          </a:prstGeom>
+          <a:noFill/>
+        </p:spPr>
+        <p:txBody>
+          <a:bodyPr wrap="square" rtlCol="0">
+            <a:spAutoFit/>
+          </a:bodyPr>
+          <a:lstStyle/>
+          <a:p>
+            <a:r>
+              <a:rPr lang="en-US" sz="5400" dirty="0">
+                <a:solidFill>
+                  <a:srgbClr val="FFFF00"/>
+                </a:solidFill>
+              </a:rPr>
+              <a:t>1</a:t>
+            </a:r>
+          </a:p>
+        </p:txBody>
+      </p:sp>
+    </p:spTree>
+    <p:extLst>
+      <p:ext uri="{BB962C8B-B14F-4D97-AF65-F5344CB8AC3E}">
+        <p14:creationId xmlns:p14="http://schemas.microsoft.com/office/powerpoint/2010/main" val="1638628991"/>
+      </p:ext>
+    </p:extLst>
+  </p:cSld>
+  <p:clrMapOvr>
+    <a:masterClrMapping/>
+  </p:clrMapOvr>
+</p:sld>
+</file>
+
+<file path=ppt/slides/slide14.xml><?xml version="1.0" encoding="utf-8"?>
+<p:sld xmlns:a="http://schemas.openxmlformats.org/drawingml/2006/main" xmlns:r="http://schemas.openxmlformats.org/officeDocument/2006/relationships" xmlns:p="http://schemas.openxmlformats.org/presentationml/2006/main">
+  <p:cSld>
+    <p:spTree>
+      <p:nvGrpSpPr>
+        <p:cNvPr id="1" name=""/>
+        <p:cNvGrpSpPr/>
+        <p:nvPr/>
+      </p:nvGrpSpPr>
+      <p:grpSpPr>
+        <a:xfrm>
+          <a:off x="0" y="0"/>
+          <a:ext cx="0" cy="0"/>
+          <a:chOff x="0" y="0"/>
+          <a:chExt cx="0" cy="0"/>
+        </a:xfrm>
+      </p:grpSpPr>
+      <p:pic>
+        <p:nvPicPr>
+          <p:cNvPr id="6" name="Picture 5" descr="A picture containing cat&#10;&#10;Description automatically generated">
+            <a:extLst>
+              <a:ext uri="{FF2B5EF4-FFF2-40B4-BE49-F238E27FC236}">
+                <a16:creationId xmlns:a16="http://schemas.microsoft.com/office/drawing/2014/main" id="{B82630E1-A4C3-4892-95BD-6E81FC72451C}"/>
+              </a:ext>
+            </a:extLst>
+          </p:cNvPr>
+          <p:cNvPicPr>
+            <a:picLocks noChangeAspect="1"/>
+          </p:cNvPicPr>
+          <p:nvPr/>
+        </p:nvPicPr>
+        <p:blipFill rotWithShape="1">
+          <a:blip r:embed="rId2">
+            <a:extLst>
+              <a:ext uri="{28A0092B-C50C-407E-A947-70E740481C1C}">
+                <a14:useLocalDpi xmlns:a14="http://schemas.microsoft.com/office/drawing/2010/main" val="0"/>
+              </a:ext>
+            </a:extLst>
+          </a:blip>
+          <a:srcRect t="3229" r="-1" b="-1"/>
+          <a:stretch/>
+        </p:blipFill>
+        <p:spPr>
+          <a:xfrm>
+            <a:off x="1" y="10"/>
+            <a:ext cx="6724041" cy="4343390"/>
+          </a:xfrm>
+          <a:prstGeom prst="rect">
+            <a:avLst/>
+          </a:prstGeom>
+        </p:spPr>
+      </p:pic>
+      <p:pic>
+        <p:nvPicPr>
+          <p:cNvPr id="7" name="Picture 6" descr="A picture containing cat&#10;&#10;Description automatically generated">
+            <a:extLst>
+              <a:ext uri="{FF2B5EF4-FFF2-40B4-BE49-F238E27FC236}">
+                <a16:creationId xmlns:a16="http://schemas.microsoft.com/office/drawing/2014/main" id="{DD242F41-45C4-4078-A3AB-8B96B136756B}"/>
+              </a:ext>
+            </a:extLst>
+          </p:cNvPr>
+          <p:cNvPicPr>
+            <a:picLocks noChangeAspect="1"/>
+          </p:cNvPicPr>
+          <p:nvPr/>
+        </p:nvPicPr>
+        <p:blipFill rotWithShape="1">
+          <a:blip r:embed="rId2">
+            <a:extLst>
+              <a:ext uri="{28A0092B-C50C-407E-A947-70E740481C1C}">
+                <a14:useLocalDpi xmlns:a14="http://schemas.microsoft.com/office/drawing/2010/main" val="0"/>
+              </a:ext>
+            </a:extLst>
+          </a:blip>
+          <a:srcRect t="3229" r="-1" b="-1"/>
+          <a:stretch/>
+        </p:blipFill>
+        <p:spPr>
+          <a:xfrm>
+            <a:off x="6717320" y="10"/>
+            <a:ext cx="6724042" cy="4343390"/>
+          </a:xfrm>
+          <a:prstGeom prst="rect">
+            <a:avLst/>
+          </a:prstGeom>
+        </p:spPr>
+      </p:pic>
+      <p:pic>
+        <p:nvPicPr>
+          <p:cNvPr id="8" name="Picture 7" descr="A picture containing cat&#10;&#10;Description automatically generated">
+            <a:extLst>
+              <a:ext uri="{FF2B5EF4-FFF2-40B4-BE49-F238E27FC236}">
+                <a16:creationId xmlns:a16="http://schemas.microsoft.com/office/drawing/2014/main" id="{199F2F76-C673-4E86-B491-6B256C0C25FE}"/>
+              </a:ext>
+            </a:extLst>
+          </p:cNvPr>
+          <p:cNvPicPr>
+            <a:picLocks noChangeAspect="1"/>
+          </p:cNvPicPr>
+          <p:nvPr/>
+        </p:nvPicPr>
+        <p:blipFill rotWithShape="1">
+          <a:blip r:embed="rId2">
+            <a:extLst>
+              <a:ext uri="{28A0092B-C50C-407E-A947-70E740481C1C}">
+                <a14:useLocalDpi xmlns:a14="http://schemas.microsoft.com/office/drawing/2010/main" val="0"/>
+              </a:ext>
+            </a:extLst>
+          </a:blip>
+          <a:srcRect t="3228" r="-1" b="-1"/>
+          <a:stretch/>
+        </p:blipFill>
+        <p:spPr>
+          <a:xfrm>
+            <a:off x="1" y="4343400"/>
+            <a:ext cx="6724041" cy="4343400"/>
+          </a:xfrm>
+          <a:prstGeom prst="rect">
+            <a:avLst/>
+          </a:prstGeom>
+        </p:spPr>
+      </p:pic>
+      <p:pic>
+        <p:nvPicPr>
+          <p:cNvPr id="9" name="Picture 8" descr="A picture containing cat&#10;&#10;Description automatically generated">
+            <a:extLst>
+              <a:ext uri="{FF2B5EF4-FFF2-40B4-BE49-F238E27FC236}">
+                <a16:creationId xmlns:a16="http://schemas.microsoft.com/office/drawing/2014/main" id="{8499F939-5BF2-46F9-A66F-D25A94E1CB6F}"/>
+              </a:ext>
+            </a:extLst>
+          </p:cNvPr>
+          <p:cNvPicPr>
+            <a:picLocks noChangeAspect="1"/>
+          </p:cNvPicPr>
+          <p:nvPr/>
+        </p:nvPicPr>
+        <p:blipFill rotWithShape="1">
+          <a:blip r:embed="rId2">
+            <a:extLst>
+              <a:ext uri="{28A0092B-C50C-407E-A947-70E740481C1C}">
+                <a14:useLocalDpi xmlns:a14="http://schemas.microsoft.com/office/drawing/2010/main" val="0"/>
+              </a:ext>
+            </a:extLst>
+          </a:blip>
+          <a:srcRect t="3228" r="-1" b="-1"/>
+          <a:stretch/>
+        </p:blipFill>
+        <p:spPr>
+          <a:xfrm>
+            <a:off x="6717320" y="4343400"/>
+            <a:ext cx="6724042" cy="4343400"/>
+          </a:xfrm>
+          <a:prstGeom prst="rect">
+            <a:avLst/>
+          </a:prstGeom>
+        </p:spPr>
+      </p:pic>
+      <p:sp>
+        <p:nvSpPr>
+          <p:cNvPr id="10" name="TextBox 9">
+            <a:extLst>
+              <a:ext uri="{FF2B5EF4-FFF2-40B4-BE49-F238E27FC236}">
+                <a16:creationId xmlns:a16="http://schemas.microsoft.com/office/drawing/2014/main" id="{F7EEAA3C-112A-42ED-A97D-B988E41609C3}"/>
+              </a:ext>
+            </a:extLst>
+          </p:cNvPr>
+          <p:cNvSpPr txBox="1"/>
+          <p:nvPr/>
+        </p:nvSpPr>
+        <p:spPr>
+          <a:xfrm>
+            <a:off x="6460184" y="3881735"/>
+            <a:ext cx="520994" cy="923330"/>
+          </a:xfrm>
+          <a:prstGeom prst="rect">
+            <a:avLst/>
+          </a:prstGeom>
+          <a:noFill/>
+        </p:spPr>
+        <p:txBody>
+          <a:bodyPr wrap="square" rtlCol="0">
+            <a:spAutoFit/>
+          </a:bodyPr>
+          <a:lstStyle/>
+          <a:p>
+            <a:r>
+              <a:rPr lang="en-US" sz="5400" dirty="0">
+                <a:solidFill>
+                  <a:srgbClr val="FFFF00"/>
+                </a:solidFill>
+              </a:rPr>
+              <a:t>1</a:t>
+            </a:r>
+          </a:p>
+        </p:txBody>
+      </p:sp>
+    </p:spTree>
+    <p:extLst>
+      <p:ext uri="{BB962C8B-B14F-4D97-AF65-F5344CB8AC3E}">
+        <p14:creationId xmlns:p14="http://schemas.microsoft.com/office/powerpoint/2010/main" val="4241510922"/>
+      </p:ext>
+    </p:extLst>
+  </p:cSld>
+  <p:clrMapOvr>
+    <a:masterClrMapping/>
+  </p:clrMapOvr>
+</p:sld>
+</file>
+
+<file path=ppt/slides/slide15.xml><?xml version="1.0" encoding="utf-8"?>
+<p:sld xmlns:a="http://schemas.openxmlformats.org/drawingml/2006/main" xmlns:r="http://schemas.openxmlformats.org/officeDocument/2006/relationships" xmlns:p="http://schemas.openxmlformats.org/presentationml/2006/main">
+  <p:cSld>
+    <p:spTree>
+      <p:nvGrpSpPr>
+        <p:cNvPr id="1" name=""/>
+        <p:cNvGrpSpPr/>
+        <p:nvPr/>
+      </p:nvGrpSpPr>
+      <p:grpSpPr>
+        <a:xfrm>
+          <a:off x="0" y="0"/>
+          <a:ext cx="0" cy="0"/>
+          <a:chOff x="0" y="0"/>
+          <a:chExt cx="0" cy="0"/>
+        </a:xfrm>
+      </p:grpSpPr>
+      <p:pic>
+        <p:nvPicPr>
+          <p:cNvPr id="6" name="Picture 5" descr="A picture containing cat&#10;&#10;Description automatically generated">
+            <a:extLst>
+              <a:ext uri="{FF2B5EF4-FFF2-40B4-BE49-F238E27FC236}">
+                <a16:creationId xmlns:a16="http://schemas.microsoft.com/office/drawing/2014/main" id="{B82630E1-A4C3-4892-95BD-6E81FC72451C}"/>
+              </a:ext>
+            </a:extLst>
+          </p:cNvPr>
+          <p:cNvPicPr>
+            <a:picLocks noChangeAspect="1"/>
+          </p:cNvPicPr>
+          <p:nvPr/>
+        </p:nvPicPr>
+        <p:blipFill rotWithShape="1">
+          <a:blip r:embed="rId2">
+            <a:extLst>
+              <a:ext uri="{28A0092B-C50C-407E-A947-70E740481C1C}">
+                <a14:useLocalDpi xmlns:a14="http://schemas.microsoft.com/office/drawing/2010/main" val="0"/>
+              </a:ext>
+            </a:extLst>
+          </a:blip>
+          <a:srcRect t="3229" r="-1" b="-1"/>
+          <a:stretch/>
+        </p:blipFill>
+        <p:spPr>
+          <a:xfrm>
+            <a:off x="1" y="10"/>
+            <a:ext cx="6724041" cy="4343390"/>
+          </a:xfrm>
+          <a:prstGeom prst="rect">
+            <a:avLst/>
+          </a:prstGeom>
+        </p:spPr>
+      </p:pic>
+      <p:pic>
+        <p:nvPicPr>
+          <p:cNvPr id="7" name="Picture 6" descr="A picture containing cat&#10;&#10;Description automatically generated">
+            <a:extLst>
+              <a:ext uri="{FF2B5EF4-FFF2-40B4-BE49-F238E27FC236}">
+                <a16:creationId xmlns:a16="http://schemas.microsoft.com/office/drawing/2014/main" id="{DD242F41-45C4-4078-A3AB-8B96B136756B}"/>
+              </a:ext>
+            </a:extLst>
+          </p:cNvPr>
+          <p:cNvPicPr>
+            <a:picLocks noChangeAspect="1"/>
+          </p:cNvPicPr>
+          <p:nvPr/>
+        </p:nvPicPr>
+        <p:blipFill rotWithShape="1">
+          <a:blip r:embed="rId2">
+            <a:extLst>
+              <a:ext uri="{28A0092B-C50C-407E-A947-70E740481C1C}">
+                <a14:useLocalDpi xmlns:a14="http://schemas.microsoft.com/office/drawing/2010/main" val="0"/>
+              </a:ext>
+            </a:extLst>
+          </a:blip>
+          <a:srcRect t="3229" r="-1" b="-1"/>
+          <a:stretch/>
+        </p:blipFill>
+        <p:spPr>
+          <a:xfrm>
+            <a:off x="6717320" y="10"/>
+            <a:ext cx="6724042" cy="4343390"/>
+          </a:xfrm>
+          <a:prstGeom prst="rect">
+            <a:avLst/>
+          </a:prstGeom>
+        </p:spPr>
+      </p:pic>
+      <p:pic>
+        <p:nvPicPr>
+          <p:cNvPr id="8" name="Picture 7" descr="A picture containing cat&#10;&#10;Description automatically generated">
+            <a:extLst>
+              <a:ext uri="{FF2B5EF4-FFF2-40B4-BE49-F238E27FC236}">
+                <a16:creationId xmlns:a16="http://schemas.microsoft.com/office/drawing/2014/main" id="{199F2F76-C673-4E86-B491-6B256C0C25FE}"/>
+              </a:ext>
+            </a:extLst>
+          </p:cNvPr>
+          <p:cNvPicPr>
+            <a:picLocks noChangeAspect="1"/>
+          </p:cNvPicPr>
+          <p:nvPr/>
+        </p:nvPicPr>
+        <p:blipFill rotWithShape="1">
+          <a:blip r:embed="rId2">
+            <a:extLst>
+              <a:ext uri="{28A0092B-C50C-407E-A947-70E740481C1C}">
+                <a14:useLocalDpi xmlns:a14="http://schemas.microsoft.com/office/drawing/2010/main" val="0"/>
+              </a:ext>
+            </a:extLst>
+          </a:blip>
+          <a:srcRect t="3228" r="-1" b="-1"/>
+          <a:stretch/>
+        </p:blipFill>
+        <p:spPr>
+          <a:xfrm>
+            <a:off x="1" y="4343400"/>
+            <a:ext cx="6724041" cy="4343400"/>
+          </a:xfrm>
+          <a:prstGeom prst="rect">
+            <a:avLst/>
+          </a:prstGeom>
+        </p:spPr>
+      </p:pic>
+      <p:pic>
+        <p:nvPicPr>
+          <p:cNvPr id="9" name="Picture 8" descr="A picture containing cat&#10;&#10;Description automatically generated">
+            <a:extLst>
+              <a:ext uri="{FF2B5EF4-FFF2-40B4-BE49-F238E27FC236}">
+                <a16:creationId xmlns:a16="http://schemas.microsoft.com/office/drawing/2014/main" id="{8499F939-5BF2-46F9-A66F-D25A94E1CB6F}"/>
+              </a:ext>
+            </a:extLst>
+          </p:cNvPr>
+          <p:cNvPicPr>
+            <a:picLocks noChangeAspect="1"/>
+          </p:cNvPicPr>
+          <p:nvPr/>
+        </p:nvPicPr>
+        <p:blipFill rotWithShape="1">
+          <a:blip r:embed="rId2">
+            <a:extLst>
+              <a:ext uri="{28A0092B-C50C-407E-A947-70E740481C1C}">
+                <a14:useLocalDpi xmlns:a14="http://schemas.microsoft.com/office/drawing/2010/main" val="0"/>
+              </a:ext>
+            </a:extLst>
+          </a:blip>
+          <a:srcRect t="3228" r="-1" b="-1"/>
+          <a:stretch/>
+        </p:blipFill>
+        <p:spPr>
+          <a:xfrm>
+            <a:off x="6717320" y="4343400"/>
+            <a:ext cx="6724042" cy="4343400"/>
+          </a:xfrm>
+          <a:prstGeom prst="rect">
+            <a:avLst/>
+          </a:prstGeom>
+        </p:spPr>
+      </p:pic>
+      <p:sp>
+        <p:nvSpPr>
+          <p:cNvPr id="10" name="TextBox 9">
+            <a:extLst>
+              <a:ext uri="{FF2B5EF4-FFF2-40B4-BE49-F238E27FC236}">
+                <a16:creationId xmlns:a16="http://schemas.microsoft.com/office/drawing/2014/main" id="{F7EEAA3C-112A-42ED-A97D-B988E41609C3}"/>
+              </a:ext>
+            </a:extLst>
+          </p:cNvPr>
+          <p:cNvSpPr txBox="1"/>
+          <p:nvPr/>
+        </p:nvSpPr>
+        <p:spPr>
+          <a:xfrm>
+            <a:off x="6460184" y="3881735"/>
+            <a:ext cx="520994" cy="923330"/>
+          </a:xfrm>
+          <a:prstGeom prst="rect">
+            <a:avLst/>
+          </a:prstGeom>
+          <a:noFill/>
+        </p:spPr>
+        <p:txBody>
+          <a:bodyPr wrap="square" rtlCol="0">
+            <a:spAutoFit/>
+          </a:bodyPr>
+          <a:lstStyle/>
+          <a:p>
+            <a:r>
+              <a:rPr lang="en-US" sz="5400" dirty="0">
+                <a:solidFill>
+                  <a:srgbClr val="FFFF00"/>
+                </a:solidFill>
+              </a:rPr>
+              <a:t>1</a:t>
+            </a:r>
+          </a:p>
+        </p:txBody>
+      </p:sp>
+    </p:spTree>
+    <p:extLst>
+      <p:ext uri="{BB962C8B-B14F-4D97-AF65-F5344CB8AC3E}">
+        <p14:creationId xmlns:p14="http://schemas.microsoft.com/office/powerpoint/2010/main" val="2530404876"/>
+      </p:ext>
+    </p:extLst>
+  </p:cSld>
+  <p:clrMapOvr>
+    <a:masterClrMapping/>
+  </p:clrMapOvr>
+</p:sld>
+</file>
+
+<file path=ppt/slides/slide16.xml><?xml version="1.0" encoding="utf-8"?>
+<p:sld xmlns:a="http://schemas.openxmlformats.org/drawingml/2006/main" xmlns:r="http://schemas.openxmlformats.org/officeDocument/2006/relationships" xmlns:p="http://schemas.openxmlformats.org/presentationml/2006/main">
+  <p:cSld>
+    <p:spTree>
+      <p:nvGrpSpPr>
+        <p:cNvPr id="1" name=""/>
+        <p:cNvGrpSpPr/>
+        <p:nvPr/>
+      </p:nvGrpSpPr>
+      <p:grpSpPr>
+        <a:xfrm>
+          <a:off x="0" y="0"/>
+          <a:ext cx="0" cy="0"/>
+          <a:chOff x="0" y="0"/>
+          <a:chExt cx="0" cy="0"/>
+        </a:xfrm>
+      </p:grpSpPr>
+      <p:pic>
+        <p:nvPicPr>
+          <p:cNvPr id="6" name="Picture 5" descr="A picture containing cat&#10;&#10;Description automatically generated">
+            <a:extLst>
+              <a:ext uri="{FF2B5EF4-FFF2-40B4-BE49-F238E27FC236}">
+                <a16:creationId xmlns:a16="http://schemas.microsoft.com/office/drawing/2014/main" id="{B82630E1-A4C3-4892-95BD-6E81FC72451C}"/>
+              </a:ext>
+            </a:extLst>
+          </p:cNvPr>
+          <p:cNvPicPr>
+            <a:picLocks noChangeAspect="1"/>
+          </p:cNvPicPr>
+          <p:nvPr/>
+        </p:nvPicPr>
+        <p:blipFill rotWithShape="1">
+          <a:blip r:embed="rId2">
+            <a:extLst>
+              <a:ext uri="{28A0092B-C50C-407E-A947-70E740481C1C}">
+                <a14:useLocalDpi xmlns:a14="http://schemas.microsoft.com/office/drawing/2010/main" val="0"/>
+              </a:ext>
+            </a:extLst>
+          </a:blip>
+          <a:srcRect t="3229" r="-1" b="-1"/>
+          <a:stretch/>
+        </p:blipFill>
+        <p:spPr>
+          <a:xfrm>
+            <a:off x="1" y="10"/>
+            <a:ext cx="6724041" cy="4343390"/>
+          </a:xfrm>
+          <a:prstGeom prst="rect">
+            <a:avLst/>
+          </a:prstGeom>
+        </p:spPr>
+      </p:pic>
+      <p:pic>
+        <p:nvPicPr>
+          <p:cNvPr id="7" name="Picture 6" descr="A picture containing cat&#10;&#10;Description automatically generated">
+            <a:extLst>
+              <a:ext uri="{FF2B5EF4-FFF2-40B4-BE49-F238E27FC236}">
+                <a16:creationId xmlns:a16="http://schemas.microsoft.com/office/drawing/2014/main" id="{DD242F41-45C4-4078-A3AB-8B96B136756B}"/>
+              </a:ext>
+            </a:extLst>
+          </p:cNvPr>
+          <p:cNvPicPr>
+            <a:picLocks noChangeAspect="1"/>
+          </p:cNvPicPr>
+          <p:nvPr/>
+        </p:nvPicPr>
+        <p:blipFill rotWithShape="1">
+          <a:blip r:embed="rId2">
+            <a:extLst>
+              <a:ext uri="{28A0092B-C50C-407E-A947-70E740481C1C}">
+                <a14:useLocalDpi xmlns:a14="http://schemas.microsoft.com/office/drawing/2010/main" val="0"/>
+              </a:ext>
+            </a:extLst>
+          </a:blip>
+          <a:srcRect t="3229" r="-1" b="-1"/>
+          <a:stretch/>
+        </p:blipFill>
+        <p:spPr>
+          <a:xfrm>
+            <a:off x="6717320" y="10"/>
+            <a:ext cx="6724042" cy="4343390"/>
+          </a:xfrm>
+          <a:prstGeom prst="rect">
+            <a:avLst/>
+          </a:prstGeom>
+        </p:spPr>
+      </p:pic>
+      <p:pic>
+        <p:nvPicPr>
+          <p:cNvPr id="8" name="Picture 7" descr="A picture containing cat&#10;&#10;Description automatically generated">
+            <a:extLst>
+              <a:ext uri="{FF2B5EF4-FFF2-40B4-BE49-F238E27FC236}">
+                <a16:creationId xmlns:a16="http://schemas.microsoft.com/office/drawing/2014/main" id="{199F2F76-C673-4E86-B491-6B256C0C25FE}"/>
+              </a:ext>
+            </a:extLst>
+          </p:cNvPr>
+          <p:cNvPicPr>
+            <a:picLocks noChangeAspect="1"/>
+          </p:cNvPicPr>
+          <p:nvPr/>
+        </p:nvPicPr>
+        <p:blipFill rotWithShape="1">
+          <a:blip r:embed="rId2">
+            <a:extLst>
+              <a:ext uri="{28A0092B-C50C-407E-A947-70E740481C1C}">
+                <a14:useLocalDpi xmlns:a14="http://schemas.microsoft.com/office/drawing/2010/main" val="0"/>
+              </a:ext>
+            </a:extLst>
+          </a:blip>
+          <a:srcRect t="3228" r="-1" b="-1"/>
+          <a:stretch/>
+        </p:blipFill>
+        <p:spPr>
+          <a:xfrm>
+            <a:off x="1" y="4343400"/>
+            <a:ext cx="6724041" cy="4343400"/>
+          </a:xfrm>
+          <a:prstGeom prst="rect">
+            <a:avLst/>
+          </a:prstGeom>
+        </p:spPr>
+      </p:pic>
+      <p:pic>
+        <p:nvPicPr>
+          <p:cNvPr id="9" name="Picture 8" descr="A picture containing cat&#10;&#10;Description automatically generated">
+            <a:extLst>
+              <a:ext uri="{FF2B5EF4-FFF2-40B4-BE49-F238E27FC236}">
+                <a16:creationId xmlns:a16="http://schemas.microsoft.com/office/drawing/2014/main" id="{8499F939-5BF2-46F9-A66F-D25A94E1CB6F}"/>
+              </a:ext>
+            </a:extLst>
+          </p:cNvPr>
+          <p:cNvPicPr>
+            <a:picLocks noChangeAspect="1"/>
+          </p:cNvPicPr>
+          <p:nvPr/>
+        </p:nvPicPr>
+        <p:blipFill rotWithShape="1">
+          <a:blip r:embed="rId2">
+            <a:extLst>
+              <a:ext uri="{28A0092B-C50C-407E-A947-70E740481C1C}">
+                <a14:useLocalDpi xmlns:a14="http://schemas.microsoft.com/office/drawing/2010/main" val="0"/>
+              </a:ext>
+            </a:extLst>
+          </a:blip>
+          <a:srcRect t="3228" r="-1" b="-1"/>
+          <a:stretch/>
+        </p:blipFill>
+        <p:spPr>
+          <a:xfrm>
+            <a:off x="6717320" y="4343400"/>
+            <a:ext cx="6724042" cy="4343400"/>
+          </a:xfrm>
+          <a:prstGeom prst="rect">
+            <a:avLst/>
+          </a:prstGeom>
+        </p:spPr>
+      </p:pic>
+      <p:sp>
+        <p:nvSpPr>
+          <p:cNvPr id="10" name="TextBox 9">
+            <a:extLst>
+              <a:ext uri="{FF2B5EF4-FFF2-40B4-BE49-F238E27FC236}">
+                <a16:creationId xmlns:a16="http://schemas.microsoft.com/office/drawing/2014/main" id="{F7EEAA3C-112A-42ED-A97D-B988E41609C3}"/>
+              </a:ext>
+            </a:extLst>
+          </p:cNvPr>
+          <p:cNvSpPr txBox="1"/>
+          <p:nvPr/>
+        </p:nvSpPr>
+        <p:spPr>
+          <a:xfrm>
+            <a:off x="6460184" y="3881735"/>
+            <a:ext cx="520994" cy="923330"/>
+          </a:xfrm>
+          <a:prstGeom prst="rect">
+            <a:avLst/>
+          </a:prstGeom>
+          <a:noFill/>
+        </p:spPr>
+        <p:txBody>
+          <a:bodyPr wrap="square" rtlCol="0">
+            <a:spAutoFit/>
+          </a:bodyPr>
+          <a:lstStyle/>
+          <a:p>
+            <a:r>
+              <a:rPr lang="en-US" sz="5400" dirty="0">
+                <a:solidFill>
+                  <a:srgbClr val="FFFF00"/>
+                </a:solidFill>
+              </a:rPr>
+              <a:t>2</a:t>
+            </a:r>
+          </a:p>
+        </p:txBody>
+      </p:sp>
+    </p:spTree>
+    <p:extLst>
+      <p:ext uri="{BB962C8B-B14F-4D97-AF65-F5344CB8AC3E}">
+        <p14:creationId xmlns:p14="http://schemas.microsoft.com/office/powerpoint/2010/main" val="2256244827"/>
+      </p:ext>
+    </p:extLst>
+  </p:cSld>
+  <p:clrMapOvr>
+    <a:masterClrMapping/>
+  </p:clrMapOvr>
+</p:sld>
+</file>
+
+<file path=ppt/slides/slide17.xml><?xml version="1.0" encoding="utf-8"?>
 <p:sld xmlns:a="http://schemas.openxmlformats.org/drawingml/2006/main" xmlns:r="http://schemas.openxmlformats.org/officeDocument/2006/relationships" xmlns:p="http://schemas.openxmlformats.org/presentationml/2006/main">
   <p:cSld>
     <p:bg>
@@ -3166,10 +4852,10 @@
       </p:grpSpPr>
       <p:pic>
         <p:nvPicPr>
-          <p:cNvPr id="6" name="Picture 5" descr="A picture containing cat&#10;&#10;Description automatically generated">
-            <a:extLst>
-              <a:ext uri="{FF2B5EF4-FFF2-40B4-BE49-F238E27FC236}">
-                <a16:creationId xmlns:a16="http://schemas.microsoft.com/office/drawing/2014/main" id="{B82630E1-A4C3-4892-95BD-6E81FC72451C}"/>
+          <p:cNvPr id="11" name="Picture 10" descr="A close up of a persons hand&#10;&#10;Description automatically generated">
+            <a:extLst>
+              <a:ext uri="{FF2B5EF4-FFF2-40B4-BE49-F238E27FC236}">
+                <a16:creationId xmlns:a16="http://schemas.microsoft.com/office/drawing/2014/main" id="{73D3E827-475D-4822-B94E-3170D0E51546}"/>
               </a:ext>
             </a:extLst>
           </p:cNvPr>
@@ -3201,10 +4887,10 @@
       </p:pic>
       <p:pic>
         <p:nvPicPr>
-          <p:cNvPr id="7" name="Picture 6" descr="A picture containing cat&#10;&#10;Description automatically generated">
-            <a:extLst>
-              <a:ext uri="{FF2B5EF4-FFF2-40B4-BE49-F238E27FC236}">
-                <a16:creationId xmlns:a16="http://schemas.microsoft.com/office/drawing/2014/main" id="{DD242F41-45C4-4078-A3AB-8B96B136756B}"/>
+          <p:cNvPr id="12" name="Picture 11" descr="A close up of a persons hand&#10;&#10;Description automatically generated">
+            <a:extLst>
+              <a:ext uri="{FF2B5EF4-FFF2-40B4-BE49-F238E27FC236}">
+                <a16:creationId xmlns:a16="http://schemas.microsoft.com/office/drawing/2014/main" id="{2CE3B5E0-3A6C-48A0-B219-DCCEEFB84852}"/>
               </a:ext>
             </a:extLst>
           </p:cNvPr>
@@ -3236,10 +4922,10 @@
       </p:pic>
       <p:pic>
         <p:nvPicPr>
-          <p:cNvPr id="8" name="Picture 7" descr="A picture containing cat&#10;&#10;Description automatically generated">
-            <a:extLst>
-              <a:ext uri="{FF2B5EF4-FFF2-40B4-BE49-F238E27FC236}">
-                <a16:creationId xmlns:a16="http://schemas.microsoft.com/office/drawing/2014/main" id="{199F2F76-C673-4E86-B491-6B256C0C25FE}"/>
+          <p:cNvPr id="13" name="Picture 12" descr="A close up of a persons hand&#10;&#10;Description automatically generated">
+            <a:extLst>
+              <a:ext uri="{FF2B5EF4-FFF2-40B4-BE49-F238E27FC236}">
+                <a16:creationId xmlns:a16="http://schemas.microsoft.com/office/drawing/2014/main" id="{9EE417AD-1465-4D06-9252-3457D3720F7D}"/>
               </a:ext>
             </a:extLst>
           </p:cNvPr>
@@ -3271,10 +4957,10 @@
       </p:pic>
       <p:pic>
         <p:nvPicPr>
-          <p:cNvPr id="9" name="Picture 8" descr="A picture containing cat&#10;&#10;Description automatically generated">
-            <a:extLst>
-              <a:ext uri="{FF2B5EF4-FFF2-40B4-BE49-F238E27FC236}">
-                <a16:creationId xmlns:a16="http://schemas.microsoft.com/office/drawing/2014/main" id="{8499F939-5BF2-46F9-A66F-D25A94E1CB6F}"/>
+          <p:cNvPr id="14" name="Picture 13" descr="A close up of a persons hand&#10;&#10;Description automatically generated">
+            <a:extLst>
+              <a:ext uri="{FF2B5EF4-FFF2-40B4-BE49-F238E27FC236}">
+                <a16:creationId xmlns:a16="http://schemas.microsoft.com/office/drawing/2014/main" id="{0D019F9D-50CF-429B-B24C-3B7DE6252BD9}"/>
               </a:ext>
             </a:extLst>
           </p:cNvPr>
@@ -3306,10 +4992,10 @@
       </p:pic>
       <p:sp>
         <p:nvSpPr>
-          <p:cNvPr id="10" name="TextBox 9">
-            <a:extLst>
-              <a:ext uri="{FF2B5EF4-FFF2-40B4-BE49-F238E27FC236}">
-                <a16:creationId xmlns:a16="http://schemas.microsoft.com/office/drawing/2014/main" id="{F7EEAA3C-112A-42ED-A97D-B988E41609C3}"/>
+          <p:cNvPr id="15" name="TextBox 14">
+            <a:extLst>
+              <a:ext uri="{FF2B5EF4-FFF2-40B4-BE49-F238E27FC236}">
+                <a16:creationId xmlns:a16="http://schemas.microsoft.com/office/drawing/2014/main" id="{C3C81FC2-5F0F-4680-BF81-750EF858513A}"/>
               </a:ext>
             </a:extLst>
           </p:cNvPr>
@@ -3346,7 +5032,7 @@
     </p:spTree>
     <p:extLst>
       <p:ext uri="{BB962C8B-B14F-4D97-AF65-F5344CB8AC3E}">
-        <p14:creationId xmlns:p14="http://schemas.microsoft.com/office/powerpoint/2010/main" val="40484516"/>
+        <p14:creationId xmlns:p14="http://schemas.microsoft.com/office/powerpoint/2010/main" val="421473992"/>
       </p:ext>
     </p:extLst>
   </p:cSld>
@@ -3356,7 +5042,7 @@
 </p:sld>
 </file>
 
-<file path=ppt/slides/slide3.xml><?xml version="1.0" encoding="utf-8"?>
+<file path=ppt/slides/slide18.xml><?xml version="1.0" encoding="utf-8"?>
 <p:sld xmlns:a="http://schemas.openxmlformats.org/drawingml/2006/main" xmlns:r="http://schemas.openxmlformats.org/officeDocument/2006/relationships" xmlns:p="http://schemas.openxmlformats.org/presentationml/2006/main">
   <p:cSld>
     <p:spTree>
@@ -3375,10 +5061,10 @@
       </p:grpSpPr>
       <p:pic>
         <p:nvPicPr>
-          <p:cNvPr id="6" name="Picture 5" descr="A picture containing cat&#10;&#10;Description automatically generated">
-            <a:extLst>
-              <a:ext uri="{FF2B5EF4-FFF2-40B4-BE49-F238E27FC236}">
-                <a16:creationId xmlns:a16="http://schemas.microsoft.com/office/drawing/2014/main" id="{B82630E1-A4C3-4892-95BD-6E81FC72451C}"/>
+          <p:cNvPr id="11" name="Picture 10" descr="A close up of a persons hand&#10;&#10;Description automatically generated">
+            <a:extLst>
+              <a:ext uri="{FF2B5EF4-FFF2-40B4-BE49-F238E27FC236}">
+                <a16:creationId xmlns:a16="http://schemas.microsoft.com/office/drawing/2014/main" id="{73D3E827-475D-4822-B94E-3170D0E51546}"/>
               </a:ext>
             </a:extLst>
           </p:cNvPr>
@@ -3410,10 +5096,10 @@
       </p:pic>
       <p:pic>
         <p:nvPicPr>
-          <p:cNvPr id="7" name="Picture 6" descr="A picture containing cat&#10;&#10;Description automatically generated">
-            <a:extLst>
-              <a:ext uri="{FF2B5EF4-FFF2-40B4-BE49-F238E27FC236}">
-                <a16:creationId xmlns:a16="http://schemas.microsoft.com/office/drawing/2014/main" id="{DD242F41-45C4-4078-A3AB-8B96B136756B}"/>
+          <p:cNvPr id="12" name="Picture 11" descr="A close up of a persons hand&#10;&#10;Description automatically generated">
+            <a:extLst>
+              <a:ext uri="{FF2B5EF4-FFF2-40B4-BE49-F238E27FC236}">
+                <a16:creationId xmlns:a16="http://schemas.microsoft.com/office/drawing/2014/main" id="{2CE3B5E0-3A6C-48A0-B219-DCCEEFB84852}"/>
               </a:ext>
             </a:extLst>
           </p:cNvPr>
@@ -3445,10 +5131,10 @@
       </p:pic>
       <p:pic>
         <p:nvPicPr>
-          <p:cNvPr id="8" name="Picture 7" descr="A picture containing cat&#10;&#10;Description automatically generated">
-            <a:extLst>
-              <a:ext uri="{FF2B5EF4-FFF2-40B4-BE49-F238E27FC236}">
-                <a16:creationId xmlns:a16="http://schemas.microsoft.com/office/drawing/2014/main" id="{199F2F76-C673-4E86-B491-6B256C0C25FE}"/>
+          <p:cNvPr id="13" name="Picture 12" descr="A close up of a persons hand&#10;&#10;Description automatically generated">
+            <a:extLst>
+              <a:ext uri="{FF2B5EF4-FFF2-40B4-BE49-F238E27FC236}">
+                <a16:creationId xmlns:a16="http://schemas.microsoft.com/office/drawing/2014/main" id="{9EE417AD-1465-4D06-9252-3457D3720F7D}"/>
               </a:ext>
             </a:extLst>
           </p:cNvPr>
@@ -3480,10 +5166,10 @@
       </p:pic>
       <p:pic>
         <p:nvPicPr>
-          <p:cNvPr id="9" name="Picture 8" descr="A picture containing cat&#10;&#10;Description automatically generated">
-            <a:extLst>
-              <a:ext uri="{FF2B5EF4-FFF2-40B4-BE49-F238E27FC236}">
-                <a16:creationId xmlns:a16="http://schemas.microsoft.com/office/drawing/2014/main" id="{8499F939-5BF2-46F9-A66F-D25A94E1CB6F}"/>
+          <p:cNvPr id="14" name="Picture 13" descr="A close up of a persons hand&#10;&#10;Description automatically generated">
+            <a:extLst>
+              <a:ext uri="{FF2B5EF4-FFF2-40B4-BE49-F238E27FC236}">
+                <a16:creationId xmlns:a16="http://schemas.microsoft.com/office/drawing/2014/main" id="{0D019F9D-50CF-429B-B24C-3B7DE6252BD9}"/>
               </a:ext>
             </a:extLst>
           </p:cNvPr>
@@ -3515,10 +5201,10 @@
       </p:pic>
       <p:sp>
         <p:nvSpPr>
-          <p:cNvPr id="10" name="TextBox 9">
-            <a:extLst>
-              <a:ext uri="{FF2B5EF4-FFF2-40B4-BE49-F238E27FC236}">
-                <a16:creationId xmlns:a16="http://schemas.microsoft.com/office/drawing/2014/main" id="{F7EEAA3C-112A-42ED-A97D-B988E41609C3}"/>
+          <p:cNvPr id="15" name="TextBox 14">
+            <a:extLst>
+              <a:ext uri="{FF2B5EF4-FFF2-40B4-BE49-F238E27FC236}">
+                <a16:creationId xmlns:a16="http://schemas.microsoft.com/office/drawing/2014/main" id="{C3C81FC2-5F0F-4680-BF81-750EF858513A}"/>
               </a:ext>
             </a:extLst>
           </p:cNvPr>
@@ -3555,7 +5241,7 @@
     </p:spTree>
     <p:extLst>
       <p:ext uri="{BB962C8B-B14F-4D97-AF65-F5344CB8AC3E}">
-        <p14:creationId xmlns:p14="http://schemas.microsoft.com/office/powerpoint/2010/main" val="2256244827"/>
+        <p14:creationId xmlns:p14="http://schemas.microsoft.com/office/powerpoint/2010/main" val="3894098011"/>
       </p:ext>
     </p:extLst>
   </p:cSld>
@@ -3565,7 +5251,37 @@
 </p:sld>
 </file>
 
-<file path=ppt/slides/slide4.xml><?xml version="1.0" encoding="utf-8"?>
+<file path=ppt/slides/slide2.xml><?xml version="1.0" encoding="utf-8"?>
+<p:sld xmlns:a="http://schemas.openxmlformats.org/drawingml/2006/main" xmlns:r="http://schemas.openxmlformats.org/officeDocument/2006/relationships" xmlns:p="http://schemas.openxmlformats.org/presentationml/2006/main">
+  <p:cSld>
+    <p:spTree>
+      <p:nvGrpSpPr>
+        <p:cNvPr id="1" name=""/>
+        <p:cNvGrpSpPr/>
+        <p:nvPr/>
+      </p:nvGrpSpPr>
+      <p:grpSpPr>
+        <a:xfrm>
+          <a:off x="0" y="0"/>
+          <a:ext cx="0" cy="0"/>
+          <a:chOff x="0" y="0"/>
+          <a:chExt cx="0" cy="0"/>
+        </a:xfrm>
+      </p:grpSpPr>
+    </p:spTree>
+    <p:extLst>
+      <p:ext uri="{BB962C8B-B14F-4D97-AF65-F5344CB8AC3E}">
+        <p14:creationId xmlns:p14="http://schemas.microsoft.com/office/powerpoint/2010/main" val="4284605084"/>
+      </p:ext>
+    </p:extLst>
+  </p:cSld>
+  <p:clrMapOvr>
+    <a:masterClrMapping/>
+  </p:clrMapOvr>
+</p:sld>
+</file>
+
+<file path=ppt/slides/slide3.xml><?xml version="1.0" encoding="utf-8"?>
 <p:sld xmlns:a="http://schemas.openxmlformats.org/drawingml/2006/main" xmlns:r="http://schemas.openxmlformats.org/officeDocument/2006/relationships" xmlns:p="http://schemas.openxmlformats.org/presentationml/2006/main">
   <p:cSld>
     <p:bg>
@@ -3592,10 +5308,10 @@
       </p:grpSpPr>
       <p:pic>
         <p:nvPicPr>
-          <p:cNvPr id="11" name="Picture 10" descr="A close up of a persons hand&#10;&#10;Description automatically generated">
-            <a:extLst>
-              <a:ext uri="{FF2B5EF4-FFF2-40B4-BE49-F238E27FC236}">
-                <a16:creationId xmlns:a16="http://schemas.microsoft.com/office/drawing/2014/main" id="{73D3E827-475D-4822-B94E-3170D0E51546}"/>
+          <p:cNvPr id="6" name="Picture 5" descr="A picture containing cat&#10;&#10;Description automatically generated">
+            <a:extLst>
+              <a:ext uri="{FF2B5EF4-FFF2-40B4-BE49-F238E27FC236}">
+                <a16:creationId xmlns:a16="http://schemas.microsoft.com/office/drawing/2014/main" id="{B82630E1-A4C3-4892-95BD-6E81FC72451C}"/>
               </a:ext>
             </a:extLst>
           </p:cNvPr>
@@ -3627,10 +5343,10 @@
       </p:pic>
       <p:pic>
         <p:nvPicPr>
-          <p:cNvPr id="12" name="Picture 11" descr="A close up of a persons hand&#10;&#10;Description automatically generated">
-            <a:extLst>
-              <a:ext uri="{FF2B5EF4-FFF2-40B4-BE49-F238E27FC236}">
-                <a16:creationId xmlns:a16="http://schemas.microsoft.com/office/drawing/2014/main" id="{2CE3B5E0-3A6C-48A0-B219-DCCEEFB84852}"/>
+          <p:cNvPr id="7" name="Picture 6" descr="A picture containing cat&#10;&#10;Description automatically generated">
+            <a:extLst>
+              <a:ext uri="{FF2B5EF4-FFF2-40B4-BE49-F238E27FC236}">
+                <a16:creationId xmlns:a16="http://schemas.microsoft.com/office/drawing/2014/main" id="{DD242F41-45C4-4078-A3AB-8B96B136756B}"/>
               </a:ext>
             </a:extLst>
           </p:cNvPr>
@@ -3662,10 +5378,10 @@
       </p:pic>
       <p:pic>
         <p:nvPicPr>
-          <p:cNvPr id="13" name="Picture 12" descr="A close up of a persons hand&#10;&#10;Description automatically generated">
-            <a:extLst>
-              <a:ext uri="{FF2B5EF4-FFF2-40B4-BE49-F238E27FC236}">
-                <a16:creationId xmlns:a16="http://schemas.microsoft.com/office/drawing/2014/main" id="{9EE417AD-1465-4D06-9252-3457D3720F7D}"/>
+          <p:cNvPr id="8" name="Picture 7" descr="A picture containing cat&#10;&#10;Description automatically generated">
+            <a:extLst>
+              <a:ext uri="{FF2B5EF4-FFF2-40B4-BE49-F238E27FC236}">
+                <a16:creationId xmlns:a16="http://schemas.microsoft.com/office/drawing/2014/main" id="{199F2F76-C673-4E86-B491-6B256C0C25FE}"/>
               </a:ext>
             </a:extLst>
           </p:cNvPr>
@@ -3697,10 +5413,10 @@
       </p:pic>
       <p:pic>
         <p:nvPicPr>
-          <p:cNvPr id="14" name="Picture 13" descr="A close up of a persons hand&#10;&#10;Description automatically generated">
-            <a:extLst>
-              <a:ext uri="{FF2B5EF4-FFF2-40B4-BE49-F238E27FC236}">
-                <a16:creationId xmlns:a16="http://schemas.microsoft.com/office/drawing/2014/main" id="{0D019F9D-50CF-429B-B24C-3B7DE6252BD9}"/>
+          <p:cNvPr id="9" name="Picture 8" descr="A picture containing cat&#10;&#10;Description automatically generated">
+            <a:extLst>
+              <a:ext uri="{FF2B5EF4-FFF2-40B4-BE49-F238E27FC236}">
+                <a16:creationId xmlns:a16="http://schemas.microsoft.com/office/drawing/2014/main" id="{8499F939-5BF2-46F9-A66F-D25A94E1CB6F}"/>
               </a:ext>
             </a:extLst>
           </p:cNvPr>
@@ -3730,12 +5446,47 @@
           </a:prstGeom>
         </p:spPr>
       </p:pic>
-      <p:sp>
-        <p:nvSpPr>
-          <p:cNvPr id="15" name="TextBox 14">
-            <a:extLst>
-              <a:ext uri="{FF2B5EF4-FFF2-40B4-BE49-F238E27FC236}">
-                <a16:creationId xmlns:a16="http://schemas.microsoft.com/office/drawing/2014/main" id="{C3C81FC2-5F0F-4680-BF81-750EF858513A}"/>
+      <p:pic>
+        <p:nvPicPr>
+          <p:cNvPr id="2" name="Picture 1" descr="A picture containing cat&#10;&#10;Description automatically generated">
+            <a:extLst>
+              <a:ext uri="{FF2B5EF4-FFF2-40B4-BE49-F238E27FC236}">
+                <a16:creationId xmlns:a16="http://schemas.microsoft.com/office/drawing/2014/main" id="{332F6554-C20F-42F7-8BC9-3B795A5700D1}"/>
+              </a:ext>
+            </a:extLst>
+          </p:cNvPr>
+          <p:cNvPicPr>
+            <a:picLocks noChangeAspect="1"/>
+          </p:cNvPicPr>
+          <p:nvPr/>
+        </p:nvPicPr>
+        <p:blipFill rotWithShape="1">
+          <a:blip r:embed="rId3">
+            <a:extLst>
+              <a:ext uri="{28A0092B-C50C-407E-A947-70E740481C1C}">
+                <a14:useLocalDpi xmlns:a14="http://schemas.microsoft.com/office/drawing/2010/main" val="0"/>
+              </a:ext>
+            </a:extLst>
+          </a:blip>
+          <a:srcRect t="3229" r="-1" b="-1"/>
+          <a:stretch/>
+        </p:blipFill>
+        <p:spPr>
+          <a:xfrm>
+            <a:off x="-6721" y="10"/>
+            <a:ext cx="6724041" cy="4343390"/>
+          </a:xfrm>
+          <a:prstGeom prst="rect">
+            <a:avLst/>
+          </a:prstGeom>
+        </p:spPr>
+      </p:pic>
+      <p:sp>
+        <p:nvSpPr>
+          <p:cNvPr id="10" name="TextBox 9">
+            <a:extLst>
+              <a:ext uri="{FF2B5EF4-FFF2-40B4-BE49-F238E27FC236}">
+                <a16:creationId xmlns:a16="http://schemas.microsoft.com/office/drawing/2014/main" id="{F7EEAA3C-112A-42ED-A97D-B988E41609C3}"/>
               </a:ext>
             </a:extLst>
           </p:cNvPr>
@@ -3772,7 +5523,251 @@
     </p:spTree>
     <p:extLst>
       <p:ext uri="{BB962C8B-B14F-4D97-AF65-F5344CB8AC3E}">
-        <p14:creationId xmlns:p14="http://schemas.microsoft.com/office/powerpoint/2010/main" val="421473992"/>
+        <p14:creationId xmlns:p14="http://schemas.microsoft.com/office/powerpoint/2010/main" val="40484516"/>
+      </p:ext>
+    </p:extLst>
+  </p:cSld>
+  <p:clrMapOvr>
+    <a:masterClrMapping/>
+  </p:clrMapOvr>
+</p:sld>
+</file>
+
+<file path=ppt/slides/slide4.xml><?xml version="1.0" encoding="utf-8"?>
+<p:sld xmlns:a="http://schemas.openxmlformats.org/drawingml/2006/main" xmlns:r="http://schemas.openxmlformats.org/officeDocument/2006/relationships" xmlns:p="http://schemas.openxmlformats.org/presentationml/2006/main">
+  <p:cSld>
+    <p:spTree>
+      <p:nvGrpSpPr>
+        <p:cNvPr id="1" name=""/>
+        <p:cNvGrpSpPr/>
+        <p:nvPr/>
+      </p:nvGrpSpPr>
+      <p:grpSpPr>
+        <a:xfrm>
+          <a:off x="0" y="0"/>
+          <a:ext cx="0" cy="0"/>
+          <a:chOff x="0" y="0"/>
+          <a:chExt cx="0" cy="0"/>
+        </a:xfrm>
+      </p:grpSpPr>
+      <p:pic>
+        <p:nvPicPr>
+          <p:cNvPr id="6" name="Picture 5" descr="A picture containing cat&#10;&#10;Description automatically generated">
+            <a:extLst>
+              <a:ext uri="{FF2B5EF4-FFF2-40B4-BE49-F238E27FC236}">
+                <a16:creationId xmlns:a16="http://schemas.microsoft.com/office/drawing/2014/main" id="{B82630E1-A4C3-4892-95BD-6E81FC72451C}"/>
+              </a:ext>
+            </a:extLst>
+          </p:cNvPr>
+          <p:cNvPicPr>
+            <a:picLocks noChangeAspect="1"/>
+          </p:cNvPicPr>
+          <p:nvPr/>
+        </p:nvPicPr>
+        <p:blipFill rotWithShape="1">
+          <a:blip r:embed="rId2">
+            <a:extLst>
+              <a:ext uri="{28A0092B-C50C-407E-A947-70E740481C1C}">
+                <a14:useLocalDpi xmlns:a14="http://schemas.microsoft.com/office/drawing/2010/main" val="0"/>
+              </a:ext>
+            </a:extLst>
+          </a:blip>
+          <a:srcRect t="3229" r="-1" b="-1"/>
+          <a:stretch/>
+        </p:blipFill>
+        <p:spPr>
+          <a:xfrm>
+            <a:off x="1" y="10"/>
+            <a:ext cx="6724041" cy="4343390"/>
+          </a:xfrm>
+          <a:prstGeom prst="rect">
+            <a:avLst/>
+          </a:prstGeom>
+        </p:spPr>
+      </p:pic>
+      <p:pic>
+        <p:nvPicPr>
+          <p:cNvPr id="7" name="Picture 6" descr="A picture containing cat&#10;&#10;Description automatically generated">
+            <a:extLst>
+              <a:ext uri="{FF2B5EF4-FFF2-40B4-BE49-F238E27FC236}">
+                <a16:creationId xmlns:a16="http://schemas.microsoft.com/office/drawing/2014/main" id="{DD242F41-45C4-4078-A3AB-8B96B136756B}"/>
+              </a:ext>
+            </a:extLst>
+          </p:cNvPr>
+          <p:cNvPicPr>
+            <a:picLocks noChangeAspect="1"/>
+          </p:cNvPicPr>
+          <p:nvPr/>
+        </p:nvPicPr>
+        <p:blipFill rotWithShape="1">
+          <a:blip r:embed="rId2">
+            <a:extLst>
+              <a:ext uri="{28A0092B-C50C-407E-A947-70E740481C1C}">
+                <a14:useLocalDpi xmlns:a14="http://schemas.microsoft.com/office/drawing/2010/main" val="0"/>
+              </a:ext>
+            </a:extLst>
+          </a:blip>
+          <a:srcRect t="3229" r="-1" b="-1"/>
+          <a:stretch/>
+        </p:blipFill>
+        <p:spPr>
+          <a:xfrm>
+            <a:off x="6717320" y="10"/>
+            <a:ext cx="6724042" cy="4343390"/>
+          </a:xfrm>
+          <a:prstGeom prst="rect">
+            <a:avLst/>
+          </a:prstGeom>
+        </p:spPr>
+      </p:pic>
+      <p:pic>
+        <p:nvPicPr>
+          <p:cNvPr id="8" name="Picture 7" descr="A picture containing cat&#10;&#10;Description automatically generated">
+            <a:extLst>
+              <a:ext uri="{FF2B5EF4-FFF2-40B4-BE49-F238E27FC236}">
+                <a16:creationId xmlns:a16="http://schemas.microsoft.com/office/drawing/2014/main" id="{199F2F76-C673-4E86-B491-6B256C0C25FE}"/>
+              </a:ext>
+            </a:extLst>
+          </p:cNvPr>
+          <p:cNvPicPr>
+            <a:picLocks noChangeAspect="1"/>
+          </p:cNvPicPr>
+          <p:nvPr/>
+        </p:nvPicPr>
+        <p:blipFill rotWithShape="1">
+          <a:blip r:embed="rId2">
+            <a:extLst>
+              <a:ext uri="{28A0092B-C50C-407E-A947-70E740481C1C}">
+                <a14:useLocalDpi xmlns:a14="http://schemas.microsoft.com/office/drawing/2010/main" val="0"/>
+              </a:ext>
+            </a:extLst>
+          </a:blip>
+          <a:srcRect t="3228" r="-1" b="-1"/>
+          <a:stretch/>
+        </p:blipFill>
+        <p:spPr>
+          <a:xfrm>
+            <a:off x="1" y="4343400"/>
+            <a:ext cx="6724041" cy="4343400"/>
+          </a:xfrm>
+          <a:prstGeom prst="rect">
+            <a:avLst/>
+          </a:prstGeom>
+        </p:spPr>
+      </p:pic>
+      <p:pic>
+        <p:nvPicPr>
+          <p:cNvPr id="9" name="Picture 8" descr="A picture containing cat&#10;&#10;Description automatically generated">
+            <a:extLst>
+              <a:ext uri="{FF2B5EF4-FFF2-40B4-BE49-F238E27FC236}">
+                <a16:creationId xmlns:a16="http://schemas.microsoft.com/office/drawing/2014/main" id="{8499F939-5BF2-46F9-A66F-D25A94E1CB6F}"/>
+              </a:ext>
+            </a:extLst>
+          </p:cNvPr>
+          <p:cNvPicPr>
+            <a:picLocks noChangeAspect="1"/>
+          </p:cNvPicPr>
+          <p:nvPr/>
+        </p:nvPicPr>
+        <p:blipFill rotWithShape="1">
+          <a:blip r:embed="rId2">
+            <a:extLst>
+              <a:ext uri="{28A0092B-C50C-407E-A947-70E740481C1C}">
+                <a14:useLocalDpi xmlns:a14="http://schemas.microsoft.com/office/drawing/2010/main" val="0"/>
+              </a:ext>
+            </a:extLst>
+          </a:blip>
+          <a:srcRect t="3228" r="-1" b="-1"/>
+          <a:stretch/>
+        </p:blipFill>
+        <p:spPr>
+          <a:xfrm>
+            <a:off x="6717320" y="4343400"/>
+            <a:ext cx="6724042" cy="4343400"/>
+          </a:xfrm>
+          <a:prstGeom prst="rect">
+            <a:avLst/>
+          </a:prstGeom>
+        </p:spPr>
+      </p:pic>
+      <p:pic>
+        <p:nvPicPr>
+          <p:cNvPr id="2" name="Picture 1" descr="A picture containing cat&#10;&#10;Description automatically generated">
+            <a:extLst>
+              <a:ext uri="{FF2B5EF4-FFF2-40B4-BE49-F238E27FC236}">
+                <a16:creationId xmlns:a16="http://schemas.microsoft.com/office/drawing/2014/main" id="{332F6554-C20F-42F7-8BC9-3B795A5700D1}"/>
+              </a:ext>
+            </a:extLst>
+          </p:cNvPr>
+          <p:cNvPicPr>
+            <a:picLocks noChangeAspect="1"/>
+          </p:cNvPicPr>
+          <p:nvPr/>
+        </p:nvPicPr>
+        <p:blipFill rotWithShape="1">
+          <a:blip r:embed="rId3">
+            <a:extLst>
+              <a:ext uri="{28A0092B-C50C-407E-A947-70E740481C1C}">
+                <a14:useLocalDpi xmlns:a14="http://schemas.microsoft.com/office/drawing/2010/main" val="0"/>
+              </a:ext>
+            </a:extLst>
+          </a:blip>
+          <a:srcRect t="3229" r="-1" b="-1"/>
+          <a:stretch/>
+        </p:blipFill>
+        <p:spPr>
+          <a:xfrm>
+            <a:off x="6717320" y="0"/>
+            <a:ext cx="6724041" cy="4343390"/>
+          </a:xfrm>
+          <a:prstGeom prst="rect">
+            <a:avLst/>
+          </a:prstGeom>
+        </p:spPr>
+      </p:pic>
+      <p:sp>
+        <p:nvSpPr>
+          <p:cNvPr id="10" name="TextBox 9">
+            <a:extLst>
+              <a:ext uri="{FF2B5EF4-FFF2-40B4-BE49-F238E27FC236}">
+                <a16:creationId xmlns:a16="http://schemas.microsoft.com/office/drawing/2014/main" id="{F7EEAA3C-112A-42ED-A97D-B988E41609C3}"/>
+              </a:ext>
+            </a:extLst>
+          </p:cNvPr>
+          <p:cNvSpPr txBox="1"/>
+          <p:nvPr/>
+        </p:nvSpPr>
+        <p:spPr>
+          <a:xfrm>
+            <a:off x="6460184" y="3881735"/>
+            <a:ext cx="520994" cy="923330"/>
+          </a:xfrm>
+          <a:prstGeom prst="rect">
+            <a:avLst/>
+          </a:prstGeom>
+          <a:noFill/>
+        </p:spPr>
+        <p:txBody>
+          <a:bodyPr wrap="square" rtlCol="0">
+            <a:spAutoFit/>
+          </a:bodyPr>
+          <a:lstStyle/>
+          <a:p>
+            <a:r>
+              <a:rPr lang="en-US" sz="5400" dirty="0">
+                <a:solidFill>
+                  <a:srgbClr val="FFFF00"/>
+                </a:solidFill>
+              </a:rPr>
+              <a:t>1</a:t>
+            </a:r>
+          </a:p>
+        </p:txBody>
+      </p:sp>
+    </p:spTree>
+    <p:extLst>
+      <p:ext uri="{BB962C8B-B14F-4D97-AF65-F5344CB8AC3E}">
+        <p14:creationId xmlns:p14="http://schemas.microsoft.com/office/powerpoint/2010/main" val="2546374773"/>
       </p:ext>
     </p:extLst>
   </p:cSld>
@@ -3801,10 +5796,10 @@
       </p:grpSpPr>
       <p:pic>
         <p:nvPicPr>
-          <p:cNvPr id="11" name="Picture 10" descr="A close up of a persons hand&#10;&#10;Description automatically generated">
-            <a:extLst>
-              <a:ext uri="{FF2B5EF4-FFF2-40B4-BE49-F238E27FC236}">
-                <a16:creationId xmlns:a16="http://schemas.microsoft.com/office/drawing/2014/main" id="{73D3E827-475D-4822-B94E-3170D0E51546}"/>
+          <p:cNvPr id="6" name="Picture 5" descr="A picture containing cat&#10;&#10;Description automatically generated">
+            <a:extLst>
+              <a:ext uri="{FF2B5EF4-FFF2-40B4-BE49-F238E27FC236}">
+                <a16:creationId xmlns:a16="http://schemas.microsoft.com/office/drawing/2014/main" id="{B82630E1-A4C3-4892-95BD-6E81FC72451C}"/>
               </a:ext>
             </a:extLst>
           </p:cNvPr>
@@ -3836,10 +5831,10 @@
       </p:pic>
       <p:pic>
         <p:nvPicPr>
-          <p:cNvPr id="12" name="Picture 11" descr="A close up of a persons hand&#10;&#10;Description automatically generated">
-            <a:extLst>
-              <a:ext uri="{FF2B5EF4-FFF2-40B4-BE49-F238E27FC236}">
-                <a16:creationId xmlns:a16="http://schemas.microsoft.com/office/drawing/2014/main" id="{2CE3B5E0-3A6C-48A0-B219-DCCEEFB84852}"/>
+          <p:cNvPr id="7" name="Picture 6" descr="A picture containing cat&#10;&#10;Description automatically generated">
+            <a:extLst>
+              <a:ext uri="{FF2B5EF4-FFF2-40B4-BE49-F238E27FC236}">
+                <a16:creationId xmlns:a16="http://schemas.microsoft.com/office/drawing/2014/main" id="{DD242F41-45C4-4078-A3AB-8B96B136756B}"/>
               </a:ext>
             </a:extLst>
           </p:cNvPr>
@@ -3871,10 +5866,10 @@
       </p:pic>
       <p:pic>
         <p:nvPicPr>
-          <p:cNvPr id="13" name="Picture 12" descr="A close up of a persons hand&#10;&#10;Description automatically generated">
-            <a:extLst>
-              <a:ext uri="{FF2B5EF4-FFF2-40B4-BE49-F238E27FC236}">
-                <a16:creationId xmlns:a16="http://schemas.microsoft.com/office/drawing/2014/main" id="{9EE417AD-1465-4D06-9252-3457D3720F7D}"/>
+          <p:cNvPr id="8" name="Picture 7" descr="A picture containing cat&#10;&#10;Description automatically generated">
+            <a:extLst>
+              <a:ext uri="{FF2B5EF4-FFF2-40B4-BE49-F238E27FC236}">
+                <a16:creationId xmlns:a16="http://schemas.microsoft.com/office/drawing/2014/main" id="{199F2F76-C673-4E86-B491-6B256C0C25FE}"/>
               </a:ext>
             </a:extLst>
           </p:cNvPr>
@@ -3906,10 +5901,10 @@
       </p:pic>
       <p:pic>
         <p:nvPicPr>
-          <p:cNvPr id="14" name="Picture 13" descr="A close up of a persons hand&#10;&#10;Description automatically generated">
-            <a:extLst>
-              <a:ext uri="{FF2B5EF4-FFF2-40B4-BE49-F238E27FC236}">
-                <a16:creationId xmlns:a16="http://schemas.microsoft.com/office/drawing/2014/main" id="{0D019F9D-50CF-429B-B24C-3B7DE6252BD9}"/>
+          <p:cNvPr id="9" name="Picture 8" descr="A picture containing cat&#10;&#10;Description automatically generated">
+            <a:extLst>
+              <a:ext uri="{FF2B5EF4-FFF2-40B4-BE49-F238E27FC236}">
+                <a16:creationId xmlns:a16="http://schemas.microsoft.com/office/drawing/2014/main" id="{8499F939-5BF2-46F9-A66F-D25A94E1CB6F}"/>
               </a:ext>
             </a:extLst>
           </p:cNvPr>
@@ -3939,12 +5934,47 @@
           </a:prstGeom>
         </p:spPr>
       </p:pic>
-      <p:sp>
-        <p:nvSpPr>
-          <p:cNvPr id="15" name="TextBox 14">
-            <a:extLst>
-              <a:ext uri="{FF2B5EF4-FFF2-40B4-BE49-F238E27FC236}">
-                <a16:creationId xmlns:a16="http://schemas.microsoft.com/office/drawing/2014/main" id="{C3C81FC2-5F0F-4680-BF81-750EF858513A}"/>
+      <p:pic>
+        <p:nvPicPr>
+          <p:cNvPr id="2" name="Picture 1" descr="A picture containing cat&#10;&#10;Description automatically generated">
+            <a:extLst>
+              <a:ext uri="{FF2B5EF4-FFF2-40B4-BE49-F238E27FC236}">
+                <a16:creationId xmlns:a16="http://schemas.microsoft.com/office/drawing/2014/main" id="{332F6554-C20F-42F7-8BC9-3B795A5700D1}"/>
+              </a:ext>
+            </a:extLst>
+          </p:cNvPr>
+          <p:cNvPicPr>
+            <a:picLocks noChangeAspect="1"/>
+          </p:cNvPicPr>
+          <p:nvPr/>
+        </p:nvPicPr>
+        <p:blipFill rotWithShape="1">
+          <a:blip r:embed="rId3">
+            <a:extLst>
+              <a:ext uri="{28A0092B-C50C-407E-A947-70E740481C1C}">
+                <a14:useLocalDpi xmlns:a14="http://schemas.microsoft.com/office/drawing/2010/main" val="0"/>
+              </a:ext>
+            </a:extLst>
+          </a:blip>
+          <a:srcRect t="3229" r="-1" b="-1"/>
+          <a:stretch/>
+        </p:blipFill>
+        <p:spPr>
+          <a:xfrm>
+            <a:off x="1" y="4343410"/>
+            <a:ext cx="6724041" cy="4343390"/>
+          </a:xfrm>
+          <a:prstGeom prst="rect">
+            <a:avLst/>
+          </a:prstGeom>
+        </p:spPr>
+      </p:pic>
+      <p:sp>
+        <p:nvSpPr>
+          <p:cNvPr id="10" name="TextBox 9">
+            <a:extLst>
+              <a:ext uri="{FF2B5EF4-FFF2-40B4-BE49-F238E27FC236}">
+                <a16:creationId xmlns:a16="http://schemas.microsoft.com/office/drawing/2014/main" id="{F7EEAA3C-112A-42ED-A97D-B988E41609C3}"/>
               </a:ext>
             </a:extLst>
           </p:cNvPr>
@@ -3973,7 +6003,7 @@
                   <a:srgbClr val="FFFF00"/>
                 </a:solidFill>
               </a:rPr>
-              <a:t>2</a:t>
+              <a:t>1</a:t>
             </a:r>
           </a:p>
         </p:txBody>
@@ -3981,7 +6011,1088 @@
     </p:spTree>
     <p:extLst>
       <p:ext uri="{BB962C8B-B14F-4D97-AF65-F5344CB8AC3E}">
-        <p14:creationId xmlns:p14="http://schemas.microsoft.com/office/powerpoint/2010/main" val="3894098011"/>
+        <p14:creationId xmlns:p14="http://schemas.microsoft.com/office/powerpoint/2010/main" val="1476280366"/>
+      </p:ext>
+    </p:extLst>
+  </p:cSld>
+  <p:clrMapOvr>
+    <a:masterClrMapping/>
+  </p:clrMapOvr>
+</p:sld>
+</file>
+
+<file path=ppt/slides/slide6.xml><?xml version="1.0" encoding="utf-8"?>
+<p:sld xmlns:a="http://schemas.openxmlformats.org/drawingml/2006/main" xmlns:r="http://schemas.openxmlformats.org/officeDocument/2006/relationships" xmlns:p="http://schemas.openxmlformats.org/presentationml/2006/main">
+  <p:cSld>
+    <p:spTree>
+      <p:nvGrpSpPr>
+        <p:cNvPr id="1" name=""/>
+        <p:cNvGrpSpPr/>
+        <p:nvPr/>
+      </p:nvGrpSpPr>
+      <p:grpSpPr>
+        <a:xfrm>
+          <a:off x="0" y="0"/>
+          <a:ext cx="0" cy="0"/>
+          <a:chOff x="0" y="0"/>
+          <a:chExt cx="0" cy="0"/>
+        </a:xfrm>
+      </p:grpSpPr>
+      <p:pic>
+        <p:nvPicPr>
+          <p:cNvPr id="6" name="Picture 5" descr="A picture containing cat&#10;&#10;Description automatically generated">
+            <a:extLst>
+              <a:ext uri="{FF2B5EF4-FFF2-40B4-BE49-F238E27FC236}">
+                <a16:creationId xmlns:a16="http://schemas.microsoft.com/office/drawing/2014/main" id="{B82630E1-A4C3-4892-95BD-6E81FC72451C}"/>
+              </a:ext>
+            </a:extLst>
+          </p:cNvPr>
+          <p:cNvPicPr>
+            <a:picLocks noChangeAspect="1"/>
+          </p:cNvPicPr>
+          <p:nvPr/>
+        </p:nvPicPr>
+        <p:blipFill rotWithShape="1">
+          <a:blip r:embed="rId2">
+            <a:extLst>
+              <a:ext uri="{28A0092B-C50C-407E-A947-70E740481C1C}">
+                <a14:useLocalDpi xmlns:a14="http://schemas.microsoft.com/office/drawing/2010/main" val="0"/>
+              </a:ext>
+            </a:extLst>
+          </a:blip>
+          <a:srcRect t="3229" r="-1" b="-1"/>
+          <a:stretch/>
+        </p:blipFill>
+        <p:spPr>
+          <a:xfrm>
+            <a:off x="1" y="10"/>
+            <a:ext cx="6724041" cy="4343390"/>
+          </a:xfrm>
+          <a:prstGeom prst="rect">
+            <a:avLst/>
+          </a:prstGeom>
+        </p:spPr>
+      </p:pic>
+      <p:pic>
+        <p:nvPicPr>
+          <p:cNvPr id="7" name="Picture 6" descr="A picture containing cat&#10;&#10;Description automatically generated">
+            <a:extLst>
+              <a:ext uri="{FF2B5EF4-FFF2-40B4-BE49-F238E27FC236}">
+                <a16:creationId xmlns:a16="http://schemas.microsoft.com/office/drawing/2014/main" id="{DD242F41-45C4-4078-A3AB-8B96B136756B}"/>
+              </a:ext>
+            </a:extLst>
+          </p:cNvPr>
+          <p:cNvPicPr>
+            <a:picLocks noChangeAspect="1"/>
+          </p:cNvPicPr>
+          <p:nvPr/>
+        </p:nvPicPr>
+        <p:blipFill rotWithShape="1">
+          <a:blip r:embed="rId2">
+            <a:extLst>
+              <a:ext uri="{28A0092B-C50C-407E-A947-70E740481C1C}">
+                <a14:useLocalDpi xmlns:a14="http://schemas.microsoft.com/office/drawing/2010/main" val="0"/>
+              </a:ext>
+            </a:extLst>
+          </a:blip>
+          <a:srcRect t="3229" r="-1" b="-1"/>
+          <a:stretch/>
+        </p:blipFill>
+        <p:spPr>
+          <a:xfrm>
+            <a:off x="6717320" y="10"/>
+            <a:ext cx="6724042" cy="4343390"/>
+          </a:xfrm>
+          <a:prstGeom prst="rect">
+            <a:avLst/>
+          </a:prstGeom>
+        </p:spPr>
+      </p:pic>
+      <p:pic>
+        <p:nvPicPr>
+          <p:cNvPr id="8" name="Picture 7" descr="A picture containing cat&#10;&#10;Description automatically generated">
+            <a:extLst>
+              <a:ext uri="{FF2B5EF4-FFF2-40B4-BE49-F238E27FC236}">
+                <a16:creationId xmlns:a16="http://schemas.microsoft.com/office/drawing/2014/main" id="{199F2F76-C673-4E86-B491-6B256C0C25FE}"/>
+              </a:ext>
+            </a:extLst>
+          </p:cNvPr>
+          <p:cNvPicPr>
+            <a:picLocks noChangeAspect="1"/>
+          </p:cNvPicPr>
+          <p:nvPr/>
+        </p:nvPicPr>
+        <p:blipFill rotWithShape="1">
+          <a:blip r:embed="rId2">
+            <a:extLst>
+              <a:ext uri="{28A0092B-C50C-407E-A947-70E740481C1C}">
+                <a14:useLocalDpi xmlns:a14="http://schemas.microsoft.com/office/drawing/2010/main" val="0"/>
+              </a:ext>
+            </a:extLst>
+          </a:blip>
+          <a:srcRect t="3228" r="-1" b="-1"/>
+          <a:stretch/>
+        </p:blipFill>
+        <p:spPr>
+          <a:xfrm>
+            <a:off x="1" y="4343400"/>
+            <a:ext cx="6724041" cy="4343400"/>
+          </a:xfrm>
+          <a:prstGeom prst="rect">
+            <a:avLst/>
+          </a:prstGeom>
+        </p:spPr>
+      </p:pic>
+      <p:pic>
+        <p:nvPicPr>
+          <p:cNvPr id="9" name="Picture 8" descr="A picture containing cat&#10;&#10;Description automatically generated">
+            <a:extLst>
+              <a:ext uri="{FF2B5EF4-FFF2-40B4-BE49-F238E27FC236}">
+                <a16:creationId xmlns:a16="http://schemas.microsoft.com/office/drawing/2014/main" id="{8499F939-5BF2-46F9-A66F-D25A94E1CB6F}"/>
+              </a:ext>
+            </a:extLst>
+          </p:cNvPr>
+          <p:cNvPicPr>
+            <a:picLocks noChangeAspect="1"/>
+          </p:cNvPicPr>
+          <p:nvPr/>
+        </p:nvPicPr>
+        <p:blipFill rotWithShape="1">
+          <a:blip r:embed="rId2">
+            <a:extLst>
+              <a:ext uri="{28A0092B-C50C-407E-A947-70E740481C1C}">
+                <a14:useLocalDpi xmlns:a14="http://schemas.microsoft.com/office/drawing/2010/main" val="0"/>
+              </a:ext>
+            </a:extLst>
+          </a:blip>
+          <a:srcRect t="3228" r="-1" b="-1"/>
+          <a:stretch/>
+        </p:blipFill>
+        <p:spPr>
+          <a:xfrm>
+            <a:off x="6717320" y="4343400"/>
+            <a:ext cx="6724042" cy="4343400"/>
+          </a:xfrm>
+          <a:prstGeom prst="rect">
+            <a:avLst/>
+          </a:prstGeom>
+        </p:spPr>
+      </p:pic>
+      <p:pic>
+        <p:nvPicPr>
+          <p:cNvPr id="2" name="Picture 1" descr="A picture containing cat&#10;&#10;Description automatically generated">
+            <a:extLst>
+              <a:ext uri="{FF2B5EF4-FFF2-40B4-BE49-F238E27FC236}">
+                <a16:creationId xmlns:a16="http://schemas.microsoft.com/office/drawing/2014/main" id="{332F6554-C20F-42F7-8BC9-3B795A5700D1}"/>
+              </a:ext>
+            </a:extLst>
+          </p:cNvPr>
+          <p:cNvPicPr>
+            <a:picLocks noChangeAspect="1"/>
+          </p:cNvPicPr>
+          <p:nvPr/>
+        </p:nvPicPr>
+        <p:blipFill rotWithShape="1">
+          <a:blip r:embed="rId3">
+            <a:extLst>
+              <a:ext uri="{28A0092B-C50C-407E-A947-70E740481C1C}">
+                <a14:useLocalDpi xmlns:a14="http://schemas.microsoft.com/office/drawing/2010/main" val="0"/>
+              </a:ext>
+            </a:extLst>
+          </a:blip>
+          <a:srcRect t="3229" r="-1" b="-1"/>
+          <a:stretch/>
+        </p:blipFill>
+        <p:spPr>
+          <a:xfrm>
+            <a:off x="6717320" y="4343410"/>
+            <a:ext cx="6724041" cy="4343390"/>
+          </a:xfrm>
+          <a:prstGeom prst="rect">
+            <a:avLst/>
+          </a:prstGeom>
+        </p:spPr>
+      </p:pic>
+      <p:sp>
+        <p:nvSpPr>
+          <p:cNvPr id="10" name="TextBox 9">
+            <a:extLst>
+              <a:ext uri="{FF2B5EF4-FFF2-40B4-BE49-F238E27FC236}">
+                <a16:creationId xmlns:a16="http://schemas.microsoft.com/office/drawing/2014/main" id="{F7EEAA3C-112A-42ED-A97D-B988E41609C3}"/>
+              </a:ext>
+            </a:extLst>
+          </p:cNvPr>
+          <p:cNvSpPr txBox="1"/>
+          <p:nvPr/>
+        </p:nvSpPr>
+        <p:spPr>
+          <a:xfrm>
+            <a:off x="6460184" y="3881735"/>
+            <a:ext cx="520994" cy="923330"/>
+          </a:xfrm>
+          <a:prstGeom prst="rect">
+            <a:avLst/>
+          </a:prstGeom>
+          <a:noFill/>
+        </p:spPr>
+        <p:txBody>
+          <a:bodyPr wrap="square" rtlCol="0">
+            <a:spAutoFit/>
+          </a:bodyPr>
+          <a:lstStyle/>
+          <a:p>
+            <a:r>
+              <a:rPr lang="en-US" sz="5400" dirty="0">
+                <a:solidFill>
+                  <a:srgbClr val="FFFF00"/>
+                </a:solidFill>
+              </a:rPr>
+              <a:t>1</a:t>
+            </a:r>
+          </a:p>
+        </p:txBody>
+      </p:sp>
+    </p:spTree>
+    <p:extLst>
+      <p:ext uri="{BB962C8B-B14F-4D97-AF65-F5344CB8AC3E}">
+        <p14:creationId xmlns:p14="http://schemas.microsoft.com/office/powerpoint/2010/main" val="3696792689"/>
+      </p:ext>
+    </p:extLst>
+  </p:cSld>
+  <p:clrMapOvr>
+    <a:masterClrMapping/>
+  </p:clrMapOvr>
+</p:sld>
+</file>
+
+<file path=ppt/slides/slide7.xml><?xml version="1.0" encoding="utf-8"?>
+<p:sld xmlns:a="http://schemas.openxmlformats.org/drawingml/2006/main" xmlns:r="http://schemas.openxmlformats.org/officeDocument/2006/relationships" xmlns:p="http://schemas.openxmlformats.org/presentationml/2006/main">
+  <p:cSld>
+    <p:spTree>
+      <p:nvGrpSpPr>
+        <p:cNvPr id="1" name=""/>
+        <p:cNvGrpSpPr/>
+        <p:nvPr/>
+      </p:nvGrpSpPr>
+      <p:grpSpPr>
+        <a:xfrm>
+          <a:off x="0" y="0"/>
+          <a:ext cx="0" cy="0"/>
+          <a:chOff x="0" y="0"/>
+          <a:chExt cx="0" cy="0"/>
+        </a:xfrm>
+      </p:grpSpPr>
+      <p:pic>
+        <p:nvPicPr>
+          <p:cNvPr id="6" name="Picture 5" descr="A picture containing cat&#10;&#10;Description automatically generated">
+            <a:extLst>
+              <a:ext uri="{FF2B5EF4-FFF2-40B4-BE49-F238E27FC236}">
+                <a16:creationId xmlns:a16="http://schemas.microsoft.com/office/drawing/2014/main" id="{B82630E1-A4C3-4892-95BD-6E81FC72451C}"/>
+              </a:ext>
+            </a:extLst>
+          </p:cNvPr>
+          <p:cNvPicPr>
+            <a:picLocks noChangeAspect="1"/>
+          </p:cNvPicPr>
+          <p:nvPr/>
+        </p:nvPicPr>
+        <p:blipFill rotWithShape="1">
+          <a:blip r:embed="rId2">
+            <a:extLst>
+              <a:ext uri="{28A0092B-C50C-407E-A947-70E740481C1C}">
+                <a14:useLocalDpi xmlns:a14="http://schemas.microsoft.com/office/drawing/2010/main" val="0"/>
+              </a:ext>
+            </a:extLst>
+          </a:blip>
+          <a:srcRect t="3229" r="-1" b="-1"/>
+          <a:stretch/>
+        </p:blipFill>
+        <p:spPr>
+          <a:xfrm>
+            <a:off x="1" y="10"/>
+            <a:ext cx="6724041" cy="4343390"/>
+          </a:xfrm>
+          <a:prstGeom prst="rect">
+            <a:avLst/>
+          </a:prstGeom>
+        </p:spPr>
+      </p:pic>
+      <p:pic>
+        <p:nvPicPr>
+          <p:cNvPr id="7" name="Picture 6" descr="A picture containing cat&#10;&#10;Description automatically generated">
+            <a:extLst>
+              <a:ext uri="{FF2B5EF4-FFF2-40B4-BE49-F238E27FC236}">
+                <a16:creationId xmlns:a16="http://schemas.microsoft.com/office/drawing/2014/main" id="{DD242F41-45C4-4078-A3AB-8B96B136756B}"/>
+              </a:ext>
+            </a:extLst>
+          </p:cNvPr>
+          <p:cNvPicPr>
+            <a:picLocks noChangeAspect="1"/>
+          </p:cNvPicPr>
+          <p:nvPr/>
+        </p:nvPicPr>
+        <p:blipFill rotWithShape="1">
+          <a:blip r:embed="rId2">
+            <a:extLst>
+              <a:ext uri="{28A0092B-C50C-407E-A947-70E740481C1C}">
+                <a14:useLocalDpi xmlns:a14="http://schemas.microsoft.com/office/drawing/2010/main" val="0"/>
+              </a:ext>
+            </a:extLst>
+          </a:blip>
+          <a:srcRect t="3229" r="-1" b="-1"/>
+          <a:stretch/>
+        </p:blipFill>
+        <p:spPr>
+          <a:xfrm>
+            <a:off x="6717320" y="10"/>
+            <a:ext cx="6724042" cy="4343390"/>
+          </a:xfrm>
+          <a:prstGeom prst="rect">
+            <a:avLst/>
+          </a:prstGeom>
+        </p:spPr>
+      </p:pic>
+      <p:pic>
+        <p:nvPicPr>
+          <p:cNvPr id="8" name="Picture 7" descr="A picture containing cat&#10;&#10;Description automatically generated">
+            <a:extLst>
+              <a:ext uri="{FF2B5EF4-FFF2-40B4-BE49-F238E27FC236}">
+                <a16:creationId xmlns:a16="http://schemas.microsoft.com/office/drawing/2014/main" id="{199F2F76-C673-4E86-B491-6B256C0C25FE}"/>
+              </a:ext>
+            </a:extLst>
+          </p:cNvPr>
+          <p:cNvPicPr>
+            <a:picLocks noChangeAspect="1"/>
+          </p:cNvPicPr>
+          <p:nvPr/>
+        </p:nvPicPr>
+        <p:blipFill rotWithShape="1">
+          <a:blip r:embed="rId2">
+            <a:extLst>
+              <a:ext uri="{28A0092B-C50C-407E-A947-70E740481C1C}">
+                <a14:useLocalDpi xmlns:a14="http://schemas.microsoft.com/office/drawing/2010/main" val="0"/>
+              </a:ext>
+            </a:extLst>
+          </a:blip>
+          <a:srcRect t="3228" r="-1" b="-1"/>
+          <a:stretch/>
+        </p:blipFill>
+        <p:spPr>
+          <a:xfrm>
+            <a:off x="1" y="4343400"/>
+            <a:ext cx="6724041" cy="4343400"/>
+          </a:xfrm>
+          <a:prstGeom prst="rect">
+            <a:avLst/>
+          </a:prstGeom>
+        </p:spPr>
+      </p:pic>
+      <p:pic>
+        <p:nvPicPr>
+          <p:cNvPr id="9" name="Picture 8" descr="A picture containing cat&#10;&#10;Description automatically generated">
+            <a:extLst>
+              <a:ext uri="{FF2B5EF4-FFF2-40B4-BE49-F238E27FC236}">
+                <a16:creationId xmlns:a16="http://schemas.microsoft.com/office/drawing/2014/main" id="{8499F939-5BF2-46F9-A66F-D25A94E1CB6F}"/>
+              </a:ext>
+            </a:extLst>
+          </p:cNvPr>
+          <p:cNvPicPr>
+            <a:picLocks noChangeAspect="1"/>
+          </p:cNvPicPr>
+          <p:nvPr/>
+        </p:nvPicPr>
+        <p:blipFill rotWithShape="1">
+          <a:blip r:embed="rId2">
+            <a:extLst>
+              <a:ext uri="{28A0092B-C50C-407E-A947-70E740481C1C}">
+                <a14:useLocalDpi xmlns:a14="http://schemas.microsoft.com/office/drawing/2010/main" val="0"/>
+              </a:ext>
+            </a:extLst>
+          </a:blip>
+          <a:srcRect t="3228" r="-1" b="-1"/>
+          <a:stretch/>
+        </p:blipFill>
+        <p:spPr>
+          <a:xfrm>
+            <a:off x="6717320" y="4343400"/>
+            <a:ext cx="6724042" cy="4343400"/>
+          </a:xfrm>
+          <a:prstGeom prst="rect">
+            <a:avLst/>
+          </a:prstGeom>
+        </p:spPr>
+      </p:pic>
+      <p:pic>
+        <p:nvPicPr>
+          <p:cNvPr id="2" name="Picture 1" descr="A picture containing cat&#10;&#10;Description automatically generated">
+            <a:extLst>
+              <a:ext uri="{FF2B5EF4-FFF2-40B4-BE49-F238E27FC236}">
+                <a16:creationId xmlns:a16="http://schemas.microsoft.com/office/drawing/2014/main" id="{332F6554-C20F-42F7-8BC9-3B795A5700D1}"/>
+              </a:ext>
+            </a:extLst>
+          </p:cNvPr>
+          <p:cNvPicPr>
+            <a:picLocks noChangeAspect="1"/>
+          </p:cNvPicPr>
+          <p:nvPr/>
+        </p:nvPicPr>
+        <p:blipFill rotWithShape="1">
+          <a:blip r:embed="rId3">
+            <a:extLst>
+              <a:ext uri="{28A0092B-C50C-407E-A947-70E740481C1C}">
+                <a14:useLocalDpi xmlns:a14="http://schemas.microsoft.com/office/drawing/2010/main" val="0"/>
+              </a:ext>
+            </a:extLst>
+          </a:blip>
+          <a:srcRect t="3229" r="-1" b="-1"/>
+          <a:stretch/>
+        </p:blipFill>
+        <p:spPr>
+          <a:xfrm>
+            <a:off x="1" y="10633"/>
+            <a:ext cx="6724041" cy="4343390"/>
+          </a:xfrm>
+          <a:prstGeom prst="rect">
+            <a:avLst/>
+          </a:prstGeom>
+        </p:spPr>
+      </p:pic>
+      <p:pic>
+        <p:nvPicPr>
+          <p:cNvPr id="3" name="Picture 2" descr="A picture containing cat&#10;&#10;Description automatically generated">
+            <a:extLst>
+              <a:ext uri="{FF2B5EF4-FFF2-40B4-BE49-F238E27FC236}">
+                <a16:creationId xmlns:a16="http://schemas.microsoft.com/office/drawing/2014/main" id="{C2A907CD-9ED7-4430-A868-7941787DE96A}"/>
+              </a:ext>
+            </a:extLst>
+          </p:cNvPr>
+          <p:cNvPicPr>
+            <a:picLocks noChangeAspect="1"/>
+          </p:cNvPicPr>
+          <p:nvPr/>
+        </p:nvPicPr>
+        <p:blipFill rotWithShape="1">
+          <a:blip r:embed="rId3">
+            <a:extLst>
+              <a:ext uri="{28A0092B-C50C-407E-A947-70E740481C1C}">
+                <a14:useLocalDpi xmlns:a14="http://schemas.microsoft.com/office/drawing/2010/main" val="0"/>
+              </a:ext>
+            </a:extLst>
+          </a:blip>
+          <a:srcRect t="3229" r="-1" b="-1"/>
+          <a:stretch/>
+        </p:blipFill>
+        <p:spPr>
+          <a:xfrm>
+            <a:off x="6717320" y="10633"/>
+            <a:ext cx="6724041" cy="4343390"/>
+          </a:xfrm>
+          <a:prstGeom prst="rect">
+            <a:avLst/>
+          </a:prstGeom>
+        </p:spPr>
+      </p:pic>
+      <p:sp>
+        <p:nvSpPr>
+          <p:cNvPr id="10" name="TextBox 9">
+            <a:extLst>
+              <a:ext uri="{FF2B5EF4-FFF2-40B4-BE49-F238E27FC236}">
+                <a16:creationId xmlns:a16="http://schemas.microsoft.com/office/drawing/2014/main" id="{F7EEAA3C-112A-42ED-A97D-B988E41609C3}"/>
+              </a:ext>
+            </a:extLst>
+          </p:cNvPr>
+          <p:cNvSpPr txBox="1"/>
+          <p:nvPr/>
+        </p:nvSpPr>
+        <p:spPr>
+          <a:xfrm>
+            <a:off x="6460184" y="3881735"/>
+            <a:ext cx="520994" cy="923330"/>
+          </a:xfrm>
+          <a:prstGeom prst="rect">
+            <a:avLst/>
+          </a:prstGeom>
+          <a:noFill/>
+        </p:spPr>
+        <p:txBody>
+          <a:bodyPr wrap="square" rtlCol="0">
+            <a:spAutoFit/>
+          </a:bodyPr>
+          <a:lstStyle/>
+          <a:p>
+            <a:r>
+              <a:rPr lang="en-US" sz="5400" dirty="0">
+                <a:solidFill>
+                  <a:srgbClr val="FFFF00"/>
+                </a:solidFill>
+              </a:rPr>
+              <a:t>1</a:t>
+            </a:r>
+          </a:p>
+        </p:txBody>
+      </p:sp>
+    </p:spTree>
+    <p:extLst>
+      <p:ext uri="{BB962C8B-B14F-4D97-AF65-F5344CB8AC3E}">
+        <p14:creationId xmlns:p14="http://schemas.microsoft.com/office/powerpoint/2010/main" val="384401787"/>
+      </p:ext>
+    </p:extLst>
+  </p:cSld>
+  <p:clrMapOvr>
+    <a:masterClrMapping/>
+  </p:clrMapOvr>
+</p:sld>
+</file>
+
+<file path=ppt/slides/slide8.xml><?xml version="1.0" encoding="utf-8"?>
+<p:sld xmlns:a="http://schemas.openxmlformats.org/drawingml/2006/main" xmlns:r="http://schemas.openxmlformats.org/officeDocument/2006/relationships" xmlns:p="http://schemas.openxmlformats.org/presentationml/2006/main">
+  <p:cSld>
+    <p:spTree>
+      <p:nvGrpSpPr>
+        <p:cNvPr id="1" name=""/>
+        <p:cNvGrpSpPr/>
+        <p:nvPr/>
+      </p:nvGrpSpPr>
+      <p:grpSpPr>
+        <a:xfrm>
+          <a:off x="0" y="0"/>
+          <a:ext cx="0" cy="0"/>
+          <a:chOff x="0" y="0"/>
+          <a:chExt cx="0" cy="0"/>
+        </a:xfrm>
+      </p:grpSpPr>
+      <p:pic>
+        <p:nvPicPr>
+          <p:cNvPr id="6" name="Picture 5" descr="A picture containing cat&#10;&#10;Description automatically generated">
+            <a:extLst>
+              <a:ext uri="{FF2B5EF4-FFF2-40B4-BE49-F238E27FC236}">
+                <a16:creationId xmlns:a16="http://schemas.microsoft.com/office/drawing/2014/main" id="{B82630E1-A4C3-4892-95BD-6E81FC72451C}"/>
+              </a:ext>
+            </a:extLst>
+          </p:cNvPr>
+          <p:cNvPicPr>
+            <a:picLocks noChangeAspect="1"/>
+          </p:cNvPicPr>
+          <p:nvPr/>
+        </p:nvPicPr>
+        <p:blipFill rotWithShape="1">
+          <a:blip r:embed="rId2">
+            <a:extLst>
+              <a:ext uri="{28A0092B-C50C-407E-A947-70E740481C1C}">
+                <a14:useLocalDpi xmlns:a14="http://schemas.microsoft.com/office/drawing/2010/main" val="0"/>
+              </a:ext>
+            </a:extLst>
+          </a:blip>
+          <a:srcRect t="3229" r="-1" b="-1"/>
+          <a:stretch/>
+        </p:blipFill>
+        <p:spPr>
+          <a:xfrm>
+            <a:off x="1" y="10"/>
+            <a:ext cx="6724041" cy="4343390"/>
+          </a:xfrm>
+          <a:prstGeom prst="rect">
+            <a:avLst/>
+          </a:prstGeom>
+        </p:spPr>
+      </p:pic>
+      <p:pic>
+        <p:nvPicPr>
+          <p:cNvPr id="7" name="Picture 6" descr="A picture containing cat&#10;&#10;Description automatically generated">
+            <a:extLst>
+              <a:ext uri="{FF2B5EF4-FFF2-40B4-BE49-F238E27FC236}">
+                <a16:creationId xmlns:a16="http://schemas.microsoft.com/office/drawing/2014/main" id="{DD242F41-45C4-4078-A3AB-8B96B136756B}"/>
+              </a:ext>
+            </a:extLst>
+          </p:cNvPr>
+          <p:cNvPicPr>
+            <a:picLocks noChangeAspect="1"/>
+          </p:cNvPicPr>
+          <p:nvPr/>
+        </p:nvPicPr>
+        <p:blipFill rotWithShape="1">
+          <a:blip r:embed="rId2">
+            <a:extLst>
+              <a:ext uri="{28A0092B-C50C-407E-A947-70E740481C1C}">
+                <a14:useLocalDpi xmlns:a14="http://schemas.microsoft.com/office/drawing/2010/main" val="0"/>
+              </a:ext>
+            </a:extLst>
+          </a:blip>
+          <a:srcRect t="3229" r="-1" b="-1"/>
+          <a:stretch/>
+        </p:blipFill>
+        <p:spPr>
+          <a:xfrm>
+            <a:off x="6717320" y="10"/>
+            <a:ext cx="6724042" cy="4343390"/>
+          </a:xfrm>
+          <a:prstGeom prst="rect">
+            <a:avLst/>
+          </a:prstGeom>
+        </p:spPr>
+      </p:pic>
+      <p:pic>
+        <p:nvPicPr>
+          <p:cNvPr id="8" name="Picture 7" descr="A picture containing cat&#10;&#10;Description automatically generated">
+            <a:extLst>
+              <a:ext uri="{FF2B5EF4-FFF2-40B4-BE49-F238E27FC236}">
+                <a16:creationId xmlns:a16="http://schemas.microsoft.com/office/drawing/2014/main" id="{199F2F76-C673-4E86-B491-6B256C0C25FE}"/>
+              </a:ext>
+            </a:extLst>
+          </p:cNvPr>
+          <p:cNvPicPr>
+            <a:picLocks noChangeAspect="1"/>
+          </p:cNvPicPr>
+          <p:nvPr/>
+        </p:nvPicPr>
+        <p:blipFill rotWithShape="1">
+          <a:blip r:embed="rId2">
+            <a:extLst>
+              <a:ext uri="{28A0092B-C50C-407E-A947-70E740481C1C}">
+                <a14:useLocalDpi xmlns:a14="http://schemas.microsoft.com/office/drawing/2010/main" val="0"/>
+              </a:ext>
+            </a:extLst>
+          </a:blip>
+          <a:srcRect t="3228" r="-1" b="-1"/>
+          <a:stretch/>
+        </p:blipFill>
+        <p:spPr>
+          <a:xfrm>
+            <a:off x="1" y="4343400"/>
+            <a:ext cx="6724041" cy="4343400"/>
+          </a:xfrm>
+          <a:prstGeom prst="rect">
+            <a:avLst/>
+          </a:prstGeom>
+        </p:spPr>
+      </p:pic>
+      <p:pic>
+        <p:nvPicPr>
+          <p:cNvPr id="9" name="Picture 8" descr="A picture containing cat&#10;&#10;Description automatically generated">
+            <a:extLst>
+              <a:ext uri="{FF2B5EF4-FFF2-40B4-BE49-F238E27FC236}">
+                <a16:creationId xmlns:a16="http://schemas.microsoft.com/office/drawing/2014/main" id="{8499F939-5BF2-46F9-A66F-D25A94E1CB6F}"/>
+              </a:ext>
+            </a:extLst>
+          </p:cNvPr>
+          <p:cNvPicPr>
+            <a:picLocks noChangeAspect="1"/>
+          </p:cNvPicPr>
+          <p:nvPr/>
+        </p:nvPicPr>
+        <p:blipFill rotWithShape="1">
+          <a:blip r:embed="rId2">
+            <a:extLst>
+              <a:ext uri="{28A0092B-C50C-407E-A947-70E740481C1C}">
+                <a14:useLocalDpi xmlns:a14="http://schemas.microsoft.com/office/drawing/2010/main" val="0"/>
+              </a:ext>
+            </a:extLst>
+          </a:blip>
+          <a:srcRect t="3228" r="-1" b="-1"/>
+          <a:stretch/>
+        </p:blipFill>
+        <p:spPr>
+          <a:xfrm>
+            <a:off x="6717320" y="4343400"/>
+            <a:ext cx="6724042" cy="4343400"/>
+          </a:xfrm>
+          <a:prstGeom prst="rect">
+            <a:avLst/>
+          </a:prstGeom>
+        </p:spPr>
+      </p:pic>
+      <p:pic>
+        <p:nvPicPr>
+          <p:cNvPr id="2" name="Picture 1" descr="A picture containing cat&#10;&#10;Description automatically generated">
+            <a:extLst>
+              <a:ext uri="{FF2B5EF4-FFF2-40B4-BE49-F238E27FC236}">
+                <a16:creationId xmlns:a16="http://schemas.microsoft.com/office/drawing/2014/main" id="{332F6554-C20F-42F7-8BC9-3B795A5700D1}"/>
+              </a:ext>
+            </a:extLst>
+          </p:cNvPr>
+          <p:cNvPicPr>
+            <a:picLocks noChangeAspect="1"/>
+          </p:cNvPicPr>
+          <p:nvPr/>
+        </p:nvPicPr>
+        <p:blipFill rotWithShape="1">
+          <a:blip r:embed="rId3">
+            <a:extLst>
+              <a:ext uri="{28A0092B-C50C-407E-A947-70E740481C1C}">
+                <a14:useLocalDpi xmlns:a14="http://schemas.microsoft.com/office/drawing/2010/main" val="0"/>
+              </a:ext>
+            </a:extLst>
+          </a:blip>
+          <a:srcRect t="3229" r="-1" b="-1"/>
+          <a:stretch/>
+        </p:blipFill>
+        <p:spPr>
+          <a:xfrm>
+            <a:off x="1" y="10633"/>
+            <a:ext cx="6724041" cy="4343390"/>
+          </a:xfrm>
+          <a:prstGeom prst="rect">
+            <a:avLst/>
+          </a:prstGeom>
+        </p:spPr>
+      </p:pic>
+      <p:pic>
+        <p:nvPicPr>
+          <p:cNvPr id="3" name="Picture 2" descr="A picture containing cat&#10;&#10;Description automatically generated">
+            <a:extLst>
+              <a:ext uri="{FF2B5EF4-FFF2-40B4-BE49-F238E27FC236}">
+                <a16:creationId xmlns:a16="http://schemas.microsoft.com/office/drawing/2014/main" id="{C2A907CD-9ED7-4430-A868-7941787DE96A}"/>
+              </a:ext>
+            </a:extLst>
+          </p:cNvPr>
+          <p:cNvPicPr>
+            <a:picLocks noChangeAspect="1"/>
+          </p:cNvPicPr>
+          <p:nvPr/>
+        </p:nvPicPr>
+        <p:blipFill rotWithShape="1">
+          <a:blip r:embed="rId3">
+            <a:extLst>
+              <a:ext uri="{28A0092B-C50C-407E-A947-70E740481C1C}">
+                <a14:useLocalDpi xmlns:a14="http://schemas.microsoft.com/office/drawing/2010/main" val="0"/>
+              </a:ext>
+            </a:extLst>
+          </a:blip>
+          <a:srcRect t="3229" r="-1" b="-1"/>
+          <a:stretch/>
+        </p:blipFill>
+        <p:spPr>
+          <a:xfrm>
+            <a:off x="1" y="4343400"/>
+            <a:ext cx="6724041" cy="4343390"/>
+          </a:xfrm>
+          <a:prstGeom prst="rect">
+            <a:avLst/>
+          </a:prstGeom>
+        </p:spPr>
+      </p:pic>
+      <p:sp>
+        <p:nvSpPr>
+          <p:cNvPr id="10" name="TextBox 9">
+            <a:extLst>
+              <a:ext uri="{FF2B5EF4-FFF2-40B4-BE49-F238E27FC236}">
+                <a16:creationId xmlns:a16="http://schemas.microsoft.com/office/drawing/2014/main" id="{F7EEAA3C-112A-42ED-A97D-B988E41609C3}"/>
+              </a:ext>
+            </a:extLst>
+          </p:cNvPr>
+          <p:cNvSpPr txBox="1"/>
+          <p:nvPr/>
+        </p:nvSpPr>
+        <p:spPr>
+          <a:xfrm>
+            <a:off x="6460184" y="3881735"/>
+            <a:ext cx="520994" cy="923330"/>
+          </a:xfrm>
+          <a:prstGeom prst="rect">
+            <a:avLst/>
+          </a:prstGeom>
+          <a:noFill/>
+        </p:spPr>
+        <p:txBody>
+          <a:bodyPr wrap="square" rtlCol="0">
+            <a:spAutoFit/>
+          </a:bodyPr>
+          <a:lstStyle/>
+          <a:p>
+            <a:r>
+              <a:rPr lang="en-US" sz="5400" dirty="0">
+                <a:solidFill>
+                  <a:srgbClr val="FFFF00"/>
+                </a:solidFill>
+              </a:rPr>
+              <a:t>1</a:t>
+            </a:r>
+          </a:p>
+        </p:txBody>
+      </p:sp>
+    </p:spTree>
+    <p:extLst>
+      <p:ext uri="{BB962C8B-B14F-4D97-AF65-F5344CB8AC3E}">
+        <p14:creationId xmlns:p14="http://schemas.microsoft.com/office/powerpoint/2010/main" val="3207738772"/>
+      </p:ext>
+    </p:extLst>
+  </p:cSld>
+  <p:clrMapOvr>
+    <a:masterClrMapping/>
+  </p:clrMapOvr>
+</p:sld>
+</file>
+
+<file path=ppt/slides/slide9.xml><?xml version="1.0" encoding="utf-8"?>
+<p:sld xmlns:a="http://schemas.openxmlformats.org/drawingml/2006/main" xmlns:r="http://schemas.openxmlformats.org/officeDocument/2006/relationships" xmlns:p="http://schemas.openxmlformats.org/presentationml/2006/main">
+  <p:cSld>
+    <p:spTree>
+      <p:nvGrpSpPr>
+        <p:cNvPr id="1" name=""/>
+        <p:cNvGrpSpPr/>
+        <p:nvPr/>
+      </p:nvGrpSpPr>
+      <p:grpSpPr>
+        <a:xfrm>
+          <a:off x="0" y="0"/>
+          <a:ext cx="0" cy="0"/>
+          <a:chOff x="0" y="0"/>
+          <a:chExt cx="0" cy="0"/>
+        </a:xfrm>
+      </p:grpSpPr>
+      <p:pic>
+        <p:nvPicPr>
+          <p:cNvPr id="6" name="Picture 5" descr="A picture containing cat&#10;&#10;Description automatically generated">
+            <a:extLst>
+              <a:ext uri="{FF2B5EF4-FFF2-40B4-BE49-F238E27FC236}">
+                <a16:creationId xmlns:a16="http://schemas.microsoft.com/office/drawing/2014/main" id="{B82630E1-A4C3-4892-95BD-6E81FC72451C}"/>
+              </a:ext>
+            </a:extLst>
+          </p:cNvPr>
+          <p:cNvPicPr>
+            <a:picLocks noChangeAspect="1"/>
+          </p:cNvPicPr>
+          <p:nvPr/>
+        </p:nvPicPr>
+        <p:blipFill rotWithShape="1">
+          <a:blip r:embed="rId2">
+            <a:extLst>
+              <a:ext uri="{28A0092B-C50C-407E-A947-70E740481C1C}">
+                <a14:useLocalDpi xmlns:a14="http://schemas.microsoft.com/office/drawing/2010/main" val="0"/>
+              </a:ext>
+            </a:extLst>
+          </a:blip>
+          <a:srcRect t="3229" r="-1" b="-1"/>
+          <a:stretch/>
+        </p:blipFill>
+        <p:spPr>
+          <a:xfrm>
+            <a:off x="1" y="10"/>
+            <a:ext cx="6724041" cy="4343390"/>
+          </a:xfrm>
+          <a:prstGeom prst="rect">
+            <a:avLst/>
+          </a:prstGeom>
+        </p:spPr>
+      </p:pic>
+      <p:pic>
+        <p:nvPicPr>
+          <p:cNvPr id="7" name="Picture 6" descr="A picture containing cat&#10;&#10;Description automatically generated">
+            <a:extLst>
+              <a:ext uri="{FF2B5EF4-FFF2-40B4-BE49-F238E27FC236}">
+                <a16:creationId xmlns:a16="http://schemas.microsoft.com/office/drawing/2014/main" id="{DD242F41-45C4-4078-A3AB-8B96B136756B}"/>
+              </a:ext>
+            </a:extLst>
+          </p:cNvPr>
+          <p:cNvPicPr>
+            <a:picLocks noChangeAspect="1"/>
+          </p:cNvPicPr>
+          <p:nvPr/>
+        </p:nvPicPr>
+        <p:blipFill rotWithShape="1">
+          <a:blip r:embed="rId2">
+            <a:extLst>
+              <a:ext uri="{28A0092B-C50C-407E-A947-70E740481C1C}">
+                <a14:useLocalDpi xmlns:a14="http://schemas.microsoft.com/office/drawing/2010/main" val="0"/>
+              </a:ext>
+            </a:extLst>
+          </a:blip>
+          <a:srcRect t="3229" r="-1" b="-1"/>
+          <a:stretch/>
+        </p:blipFill>
+        <p:spPr>
+          <a:xfrm>
+            <a:off x="6717320" y="10"/>
+            <a:ext cx="6724042" cy="4343390"/>
+          </a:xfrm>
+          <a:prstGeom prst="rect">
+            <a:avLst/>
+          </a:prstGeom>
+        </p:spPr>
+      </p:pic>
+      <p:pic>
+        <p:nvPicPr>
+          <p:cNvPr id="8" name="Picture 7" descr="A picture containing cat&#10;&#10;Description automatically generated">
+            <a:extLst>
+              <a:ext uri="{FF2B5EF4-FFF2-40B4-BE49-F238E27FC236}">
+                <a16:creationId xmlns:a16="http://schemas.microsoft.com/office/drawing/2014/main" id="{199F2F76-C673-4E86-B491-6B256C0C25FE}"/>
+              </a:ext>
+            </a:extLst>
+          </p:cNvPr>
+          <p:cNvPicPr>
+            <a:picLocks noChangeAspect="1"/>
+          </p:cNvPicPr>
+          <p:nvPr/>
+        </p:nvPicPr>
+        <p:blipFill rotWithShape="1">
+          <a:blip r:embed="rId2">
+            <a:extLst>
+              <a:ext uri="{28A0092B-C50C-407E-A947-70E740481C1C}">
+                <a14:useLocalDpi xmlns:a14="http://schemas.microsoft.com/office/drawing/2010/main" val="0"/>
+              </a:ext>
+            </a:extLst>
+          </a:blip>
+          <a:srcRect t="3228" r="-1" b="-1"/>
+          <a:stretch/>
+        </p:blipFill>
+        <p:spPr>
+          <a:xfrm>
+            <a:off x="1" y="4343400"/>
+            <a:ext cx="6724041" cy="4343400"/>
+          </a:xfrm>
+          <a:prstGeom prst="rect">
+            <a:avLst/>
+          </a:prstGeom>
+        </p:spPr>
+      </p:pic>
+      <p:pic>
+        <p:nvPicPr>
+          <p:cNvPr id="9" name="Picture 8" descr="A picture containing cat&#10;&#10;Description automatically generated">
+            <a:extLst>
+              <a:ext uri="{FF2B5EF4-FFF2-40B4-BE49-F238E27FC236}">
+                <a16:creationId xmlns:a16="http://schemas.microsoft.com/office/drawing/2014/main" id="{8499F939-5BF2-46F9-A66F-D25A94E1CB6F}"/>
+              </a:ext>
+            </a:extLst>
+          </p:cNvPr>
+          <p:cNvPicPr>
+            <a:picLocks noChangeAspect="1"/>
+          </p:cNvPicPr>
+          <p:nvPr/>
+        </p:nvPicPr>
+        <p:blipFill rotWithShape="1">
+          <a:blip r:embed="rId2">
+            <a:extLst>
+              <a:ext uri="{28A0092B-C50C-407E-A947-70E740481C1C}">
+                <a14:useLocalDpi xmlns:a14="http://schemas.microsoft.com/office/drawing/2010/main" val="0"/>
+              </a:ext>
+            </a:extLst>
+          </a:blip>
+          <a:srcRect t="3228" r="-1" b="-1"/>
+          <a:stretch/>
+        </p:blipFill>
+        <p:spPr>
+          <a:xfrm>
+            <a:off x="6717320" y="4343400"/>
+            <a:ext cx="6724042" cy="4343400"/>
+          </a:xfrm>
+          <a:prstGeom prst="rect">
+            <a:avLst/>
+          </a:prstGeom>
+        </p:spPr>
+      </p:pic>
+      <p:pic>
+        <p:nvPicPr>
+          <p:cNvPr id="2" name="Picture 1" descr="A picture containing cat&#10;&#10;Description automatically generated">
+            <a:extLst>
+              <a:ext uri="{FF2B5EF4-FFF2-40B4-BE49-F238E27FC236}">
+                <a16:creationId xmlns:a16="http://schemas.microsoft.com/office/drawing/2014/main" id="{332F6554-C20F-42F7-8BC9-3B795A5700D1}"/>
+              </a:ext>
+            </a:extLst>
+          </p:cNvPr>
+          <p:cNvPicPr>
+            <a:picLocks noChangeAspect="1"/>
+          </p:cNvPicPr>
+          <p:nvPr/>
+        </p:nvPicPr>
+        <p:blipFill rotWithShape="1">
+          <a:blip r:embed="rId3">
+            <a:extLst>
+              <a:ext uri="{28A0092B-C50C-407E-A947-70E740481C1C}">
+                <a14:useLocalDpi xmlns:a14="http://schemas.microsoft.com/office/drawing/2010/main" val="0"/>
+              </a:ext>
+            </a:extLst>
+          </a:blip>
+          <a:srcRect t="3229" r="-1" b="-1"/>
+          <a:stretch/>
+        </p:blipFill>
+        <p:spPr>
+          <a:xfrm>
+            <a:off x="1" y="10633"/>
+            <a:ext cx="6724041" cy="4343390"/>
+          </a:xfrm>
+          <a:prstGeom prst="rect">
+            <a:avLst/>
+          </a:prstGeom>
+        </p:spPr>
+      </p:pic>
+      <p:pic>
+        <p:nvPicPr>
+          <p:cNvPr id="3" name="Picture 2" descr="A picture containing cat&#10;&#10;Description automatically generated">
+            <a:extLst>
+              <a:ext uri="{FF2B5EF4-FFF2-40B4-BE49-F238E27FC236}">
+                <a16:creationId xmlns:a16="http://schemas.microsoft.com/office/drawing/2014/main" id="{C2A907CD-9ED7-4430-A868-7941787DE96A}"/>
+              </a:ext>
+            </a:extLst>
+          </p:cNvPr>
+          <p:cNvPicPr>
+            <a:picLocks noChangeAspect="1"/>
+          </p:cNvPicPr>
+          <p:nvPr/>
+        </p:nvPicPr>
+        <p:blipFill rotWithShape="1">
+          <a:blip r:embed="rId3">
+            <a:extLst>
+              <a:ext uri="{28A0092B-C50C-407E-A947-70E740481C1C}">
+                <a14:useLocalDpi xmlns:a14="http://schemas.microsoft.com/office/drawing/2010/main" val="0"/>
+              </a:ext>
+            </a:extLst>
+          </a:blip>
+          <a:srcRect t="3229" r="-1" b="-1"/>
+          <a:stretch/>
+        </p:blipFill>
+        <p:spPr>
+          <a:xfrm>
+            <a:off x="6724042" y="4332777"/>
+            <a:ext cx="6724041" cy="4343390"/>
+          </a:xfrm>
+          <a:prstGeom prst="rect">
+            <a:avLst/>
+          </a:prstGeom>
+        </p:spPr>
+      </p:pic>
+      <p:sp>
+        <p:nvSpPr>
+          <p:cNvPr id="10" name="TextBox 9">
+            <a:extLst>
+              <a:ext uri="{FF2B5EF4-FFF2-40B4-BE49-F238E27FC236}">
+                <a16:creationId xmlns:a16="http://schemas.microsoft.com/office/drawing/2014/main" id="{F7EEAA3C-112A-42ED-A97D-B988E41609C3}"/>
+              </a:ext>
+            </a:extLst>
+          </p:cNvPr>
+          <p:cNvSpPr txBox="1"/>
+          <p:nvPr/>
+        </p:nvSpPr>
+        <p:spPr>
+          <a:xfrm>
+            <a:off x="6460184" y="3881735"/>
+            <a:ext cx="520994" cy="923330"/>
+          </a:xfrm>
+          <a:prstGeom prst="rect">
+            <a:avLst/>
+          </a:prstGeom>
+          <a:noFill/>
+        </p:spPr>
+        <p:txBody>
+          <a:bodyPr wrap="square" rtlCol="0">
+            <a:spAutoFit/>
+          </a:bodyPr>
+          <a:lstStyle/>
+          <a:p>
+            <a:r>
+              <a:rPr lang="en-US" sz="5400" dirty="0">
+                <a:solidFill>
+                  <a:srgbClr val="FFFF00"/>
+                </a:solidFill>
+              </a:rPr>
+              <a:t>1</a:t>
+            </a:r>
+          </a:p>
+        </p:txBody>
+      </p:sp>
+    </p:spTree>
+    <p:extLst>
+      <p:ext uri="{BB962C8B-B14F-4D97-AF65-F5344CB8AC3E}">
+        <p14:creationId xmlns:p14="http://schemas.microsoft.com/office/powerpoint/2010/main" val="1093806621"/>
       </p:ext>
     </p:extLst>
   </p:cSld>
